--- a/reports/Présentation.pptx
+++ b/reports/Présentation.pptx
@@ -5,10 +5,10 @@
     <p:sldMasterId id="2147483648" r:id="rId1"/>
   </p:sldMasterIdLst>
   <p:notesMasterIdLst>
-    <p:notesMasterId r:id="rId16"/>
+    <p:notesMasterId r:id="rId18"/>
   </p:notesMasterIdLst>
   <p:handoutMasterIdLst>
-    <p:handoutMasterId r:id="rId17"/>
+    <p:handoutMasterId r:id="rId19"/>
   </p:handoutMasterIdLst>
   <p:sldIdLst>
     <p:sldId id="256" r:id="rId2"/>
@@ -16,15 +16,17 @@
     <p:sldId id="257" r:id="rId4"/>
     <p:sldId id="259" r:id="rId5"/>
     <p:sldId id="264" r:id="rId6"/>
-    <p:sldId id="265" r:id="rId7"/>
-    <p:sldId id="266" r:id="rId8"/>
-    <p:sldId id="267" r:id="rId9"/>
-    <p:sldId id="268" r:id="rId10"/>
-    <p:sldId id="269" r:id="rId11"/>
-    <p:sldId id="260" r:id="rId12"/>
-    <p:sldId id="261" r:id="rId13"/>
-    <p:sldId id="262" r:id="rId14"/>
-    <p:sldId id="263" r:id="rId15"/>
+    <p:sldId id="270" r:id="rId7"/>
+    <p:sldId id="271" r:id="rId8"/>
+    <p:sldId id="265" r:id="rId9"/>
+    <p:sldId id="266" r:id="rId10"/>
+    <p:sldId id="267" r:id="rId11"/>
+    <p:sldId id="268" r:id="rId12"/>
+    <p:sldId id="269" r:id="rId13"/>
+    <p:sldId id="260" r:id="rId14"/>
+    <p:sldId id="261" r:id="rId15"/>
+    <p:sldId id="262" r:id="rId16"/>
+    <p:sldId id="263" r:id="rId17"/>
   </p:sldIdLst>
   <p:sldSz cx="12192000" cy="6858000"/>
   <p:notesSz cx="6858000" cy="9144000"/>
@@ -137,7 +139,7 @@
 <file path=ppt/revisionInfo.xml><?xml version="1.0" encoding="utf-8"?>
 <p1510:revInfo xmlns:a="http://schemas.openxmlformats.org/drawingml/2006/main" xmlns:r="http://schemas.openxmlformats.org/officeDocument/2006/relationships" xmlns:p1510="http://schemas.microsoft.com/office/powerpoint/2015/10/main">
   <p1510:revLst>
-    <p1510:client id="{33901EAA-74B4-4E23-9AF8-3612DCD7BB4D}" v="276" dt="2022-02-21T02:11:12.041"/>
+    <p1510:client id="{33901EAA-74B4-4E23-9AF8-3612DCD7BB4D}" v="434" dt="2022-02-21T16:16:29.594"/>
   </p1510:revLst>
 </p1510:revInfo>
 </file>
@@ -236,7 +238,7 @@
           <a:p>
             <a:fld id="{03C7FF3D-C5F5-4AC3-8F18-E8B53B43BF30}" type="datetime1">
               <a:rPr lang="fr-FR" smtClean="0"/>
-              <a:t>20/02/2022</a:t>
+              <a:t>21/02/2022</a:t>
             </a:fld>
             <a:endParaRPr lang="fr-FR"/>
           </a:p>
@@ -415,7 +417,7 @@
             <a:fld id="{797DEC79-C634-472A-AE71-2FB2E246F3A4}" type="datetime1">
               <a:rPr lang="fr-FR" smtClean="0"/>
               <a:pPr/>
-              <a:t>20/02/2022</a:t>
+              <a:t>21/02/2022</a:t>
             </a:fld>
             <a:endParaRPr lang="fr-FR" dirty="0"/>
           </a:p>
@@ -1159,7 +1161,7 @@
           <a:p>
             <a:fld id="{EBA61D08-A544-4DEF-9451-4774D4FA6D9C}" type="slidenum">
               <a:rPr lang="fr-FR" noProof="0" smtClean="0"/>
-              <a:t>6</a:t>
+              <a:t>8</a:t>
             </a:fld>
             <a:endParaRPr lang="fr-FR" noProof="0"/>
           </a:p>
@@ -1342,7 +1344,7 @@
           <a:p>
             <a:fld id="{EBA61D08-A544-4DEF-9451-4774D4FA6D9C}" type="slidenum">
               <a:rPr lang="fr-FR" noProof="0" smtClean="0"/>
-              <a:t>7</a:t>
+              <a:t>9</a:t>
             </a:fld>
             <a:endParaRPr lang="fr-FR" noProof="0"/>
           </a:p>
@@ -1511,9 +1513,43 @@
             </a:r>
             <a:r>
               <a:rPr lang="en-US" dirty="0"/>
-              <a:t>.</a:t>
-            </a:r>
-            <a:endParaRPr lang="fr-FR" dirty="0"/>
+              <a:t>. </a:t>
+            </a:r>
+            <a:r>
+              <a:rPr lang="en-US" dirty="0" err="1"/>
+              <a:t>Donc</a:t>
+            </a:r>
+            <a:r>
+              <a:rPr lang="en-US" dirty="0"/>
+              <a:t> il y a discrimination</a:t>
+            </a:r>
+          </a:p>
+          <a:p>
+            <a:r>
+              <a:rPr lang="en-US" dirty="0">
+                <a:cs typeface="Calibri"/>
+              </a:rPr>
+              <a:t>On parle du </a:t>
+            </a:r>
+            <a:r>
+              <a:rPr lang="en-US" dirty="0" err="1">
+                <a:cs typeface="Calibri"/>
+              </a:rPr>
+              <a:t>problème</a:t>
+            </a:r>
+            <a:r>
+              <a:rPr lang="en-US" dirty="0">
+                <a:cs typeface="Calibri"/>
+              </a:rPr>
+              <a:t> </a:t>
+            </a:r>
+            <a:r>
+              <a:rPr lang="en-US" dirty="0"/>
+              <a:t>Data Acquisition.</a:t>
+            </a:r>
+            <a:endParaRPr lang="en-US" dirty="0">
+              <a:cs typeface="Calibri"/>
+            </a:endParaRPr>
           </a:p>
         </p:txBody>
       </p:sp>
@@ -1534,7 +1570,7 @@
           <a:p>
             <a:fld id="{EBA61D08-A544-4DEF-9451-4774D4FA6D9C}" type="slidenum">
               <a:rPr lang="fr-FR" noProof="0" smtClean="0"/>
-              <a:t>8</a:t>
+              <a:t>10</a:t>
             </a:fld>
             <a:endParaRPr lang="fr-FR" noProof="0"/>
           </a:p>
@@ -1693,7 +1729,7 @@
             <a:pPr rtl="0"/>
             <a:fld id="{A8CB228C-EF1F-4920-9494-709A53769A52}" type="datetime1">
               <a:rPr lang="fr-FR" noProof="0" smtClean="0"/>
-              <a:t>20/02/2022</a:t>
+              <a:t>21/02/2022</a:t>
             </a:fld>
             <a:endParaRPr lang="fr-FR" noProof="0"/>
           </a:p>
@@ -1901,7 +1937,7 @@
             <a:pPr rtl="0"/>
             <a:fld id="{4AC7854F-F5D8-4DF9-88AF-B95C867C07E6}" type="datetime1">
               <a:rPr lang="fr-FR" noProof="0" smtClean="0"/>
-              <a:t>20/02/2022</a:t>
+              <a:t>21/02/2022</a:t>
             </a:fld>
             <a:endParaRPr lang="fr-FR" noProof="0"/>
           </a:p>
@@ -2113,7 +2149,7 @@
             <a:pPr rtl="0"/>
             <a:fld id="{000BB2E1-6F74-4D9D-B390-DC6360267DF6}" type="datetime1">
               <a:rPr lang="fr-FR" noProof="0" smtClean="0"/>
-              <a:t>20/02/2022</a:t>
+              <a:t>21/02/2022</a:t>
             </a:fld>
             <a:endParaRPr lang="fr-FR" noProof="0"/>
           </a:p>
@@ -2311,7 +2347,7 @@
             <a:pPr rtl="0"/>
             <a:fld id="{25E078CC-60ED-4E98-BE8B-D9F158CDA348}" type="datetime1">
               <a:rPr lang="fr-FR" noProof="0" smtClean="0"/>
-              <a:t>20/02/2022</a:t>
+              <a:t>21/02/2022</a:t>
             </a:fld>
             <a:endParaRPr lang="fr-FR" noProof="0"/>
           </a:p>
@@ -2588,7 +2624,7 @@
             <a:pPr rtl="0"/>
             <a:fld id="{182946FF-A091-47C4-B909-49247B84F023}" type="datetime1">
               <a:rPr lang="fr-FR" noProof="0" smtClean="0"/>
-              <a:t>20/02/2022</a:t>
+              <a:t>21/02/2022</a:t>
             </a:fld>
             <a:endParaRPr lang="fr-FR" noProof="0"/>
           </a:p>
@@ -2852,7 +2888,7 @@
             <a:pPr rtl="0"/>
             <a:fld id="{E813F872-B07E-4D3D-9FF5-95882E508B02}" type="datetime1">
               <a:rPr lang="fr-FR" noProof="0" smtClean="0"/>
-              <a:t>20/02/2022</a:t>
+              <a:t>21/02/2022</a:t>
             </a:fld>
             <a:endParaRPr lang="fr-FR" noProof="0"/>
           </a:p>
@@ -3264,7 +3300,7 @@
             <a:pPr rtl="0"/>
             <a:fld id="{666CF3E7-8327-4338-819B-EA552EED6D71}" type="datetime1">
               <a:rPr lang="fr-FR" noProof="0" smtClean="0"/>
-              <a:t>20/02/2022</a:t>
+              <a:t>21/02/2022</a:t>
             </a:fld>
             <a:endParaRPr lang="fr-FR" noProof="0"/>
           </a:p>
@@ -3411,7 +3447,7 @@
             <a:pPr rtl="0"/>
             <a:fld id="{6599657E-0662-4D79-8828-DA9139323C80}" type="datetime1">
               <a:rPr lang="fr-FR" noProof="0" smtClean="0"/>
-              <a:t>20/02/2022</a:t>
+              <a:t>21/02/2022</a:t>
             </a:fld>
             <a:endParaRPr lang="fr-FR" noProof="0"/>
           </a:p>
@@ -3535,7 +3571,7 @@
             <a:pPr rtl="0"/>
             <a:fld id="{C18AFE6F-10DA-46C3-A49E-27F68F071EC8}" type="datetime1">
               <a:rPr lang="fr-FR" noProof="0" smtClean="0"/>
-              <a:t>20/02/2022</a:t>
+              <a:t>21/02/2022</a:t>
             </a:fld>
             <a:endParaRPr lang="fr-FR" noProof="0"/>
           </a:p>
@@ -3783,7 +3819,7 @@
             <a:pPr rtl="0"/>
             <a:fld id="{BEEF6281-5ACC-43E8-B61C-C1BECF115942}" type="datetime1">
               <a:rPr lang="fr-FR" noProof="0" smtClean="0"/>
-              <a:t>20/02/2022</a:t>
+              <a:t>21/02/2022</a:t>
             </a:fld>
             <a:endParaRPr lang="fr-FR" noProof="0"/>
           </a:p>
@@ -4226,7 +4262,7 @@
             <a:pPr rtl="0"/>
             <a:fld id="{3DFC6E80-1E63-44AB-A42A-92EC9C13D265}" type="datetime1">
               <a:rPr lang="fr-FR" noProof="0" smtClean="0"/>
-              <a:t>20/02/2022</a:t>
+              <a:t>21/02/2022</a:t>
             </a:fld>
             <a:endParaRPr lang="fr-FR" noProof="0"/>
           </a:p>
@@ -4550,7 +4586,7 @@
             <a:pPr rtl="0"/>
             <a:fld id="{7C99894C-1F98-4697-B9D6-894BE514B1DC}" type="datetime1">
               <a:rPr lang="fr-FR" noProof="0" smtClean="0"/>
-              <a:t>20/02/2022</a:t>
+              <a:t>21/02/2022</a:t>
             </a:fld>
             <a:endParaRPr lang="fr-FR" noProof="0" dirty="0"/>
           </a:p>
@@ -5145,6 +5181,30 @@
 <file path=ppt/slides/slide10.xml><?xml version="1.0" encoding="utf-8"?>
 <p:sld xmlns:a="http://schemas.openxmlformats.org/drawingml/2006/main" xmlns:r="http://schemas.openxmlformats.org/officeDocument/2006/relationships" xmlns:p="http://schemas.openxmlformats.org/presentationml/2006/main">
   <p:cSld>
+    <p:bg>
+      <p:bgPr>
+        <a:gradFill rotWithShape="1">
+          <a:gsLst>
+            <a:gs pos="0">
+              <a:schemeClr val="bg2">
+                <a:tint val="94000"/>
+                <a:satMod val="80000"/>
+                <a:lumMod val="106000"/>
+              </a:schemeClr>
+            </a:gs>
+            <a:gs pos="100000">
+              <a:schemeClr val="bg2">
+                <a:shade val="80000"/>
+              </a:schemeClr>
+            </a:gs>
+          </a:gsLst>
+          <a:path path="circle">
+            <a:fillToRect l="43000" r="43000" b="100000"/>
+          </a:path>
+        </a:gradFill>
+        <a:effectLst/>
+      </p:bgPr>
+    </p:bg>
     <p:spTree>
       <p:nvGrpSpPr>
         <p:cNvPr id="1" name=""/>
@@ -5159,226 +5219,100 @@
           <a:chExt cx="0" cy="0"/>
         </a:xfrm>
       </p:grpSpPr>
-      <p:sp>
-        <p:nvSpPr>
-          <p:cNvPr id="2" name="Titre 1">
+      <p:sp useBgFill="1">
+        <p:nvSpPr>
+          <p:cNvPr id="22" name="Rectangle 21">
             <a:extLst>
               <a:ext uri="{FF2B5EF4-FFF2-40B4-BE49-F238E27FC236}">
-                <a16:creationId xmlns:a16="http://schemas.microsoft.com/office/drawing/2014/main" id="{2F9002A7-00A9-4D08-BDA5-1127A81C95CC}"/>
+                <a16:creationId xmlns:a16="http://schemas.microsoft.com/office/drawing/2014/main" id="{62C9703D-C8F9-44AD-A7C0-C2F3871F8C1B}"/>
+              </a:ext>
+              <a:ext uri="{C183D7F6-B498-43B3-948B-1728B52AA6E4}">
+                <adec:decorative xmlns:adec="http://schemas.microsoft.com/office/drawing/2017/decorative" val="1"/>
               </a:ext>
             </a:extLst>
           </p:cNvPr>
           <p:cNvSpPr>
-            <a:spLocks noGrp="1"/>
-          </p:cNvSpPr>
-          <p:nvPr>
-            <p:ph type="title"/>
-          </p:nvPr>
-        </p:nvSpPr>
-        <p:spPr/>
-        <p:txBody>
-          <a:bodyPr/>
+            <a:spLocks noGrp="1" noRot="1" noChangeAspect="1" noMove="1" noResize="1" noEditPoints="1" noAdjustHandles="1" noChangeArrowheads="1" noChangeShapeType="1" noTextEdit="1"/>
+          </p:cNvSpPr>
+          <p:nvPr>
+            <p:extLst>
+              <p:ext uri="{386F3935-93C4-4BCD-93E2-E3B085C9AB24}">
+                <p16:designElem xmlns:p16="http://schemas.microsoft.com/office/powerpoint/2015/main" val="1"/>
+              </p:ext>
+            </p:extLst>
+          </p:nvPr>
+        </p:nvSpPr>
+        <p:spPr>
+          <a:xfrm>
+            <a:off x="0" y="0"/>
+            <a:ext cx="12192000" cy="6160168"/>
+          </a:xfrm>
+          <a:prstGeom prst="rect">
+            <a:avLst/>
+          </a:prstGeom>
+          <a:ln>
+            <a:noFill/>
+          </a:ln>
+        </p:spPr>
+        <p:style>
+          <a:lnRef idx="2">
+            <a:schemeClr val="accent1">
+              <a:shade val="50000"/>
+            </a:schemeClr>
+          </a:lnRef>
+          <a:fillRef idx="1">
+            <a:schemeClr val="accent1"/>
+          </a:fillRef>
+          <a:effectRef idx="0">
+            <a:schemeClr val="accent1"/>
+          </a:effectRef>
+          <a:fontRef idx="minor">
+            <a:schemeClr val="lt1"/>
+          </a:fontRef>
+        </p:style>
+        <p:txBody>
+          <a:bodyPr rtlCol="0" anchor="ctr"/>
           <a:lstStyle/>
           <a:p>
             <a:pPr algn="ctr"/>
-            <a:r>
-              <a:rPr lang="fr-FR" sz="2400" dirty="0" err="1"/>
-              <a:t>View</a:t>
-            </a:r>
-            <a:r>
-              <a:rPr lang="fr-FR" sz="2400" dirty="0"/>
-              <a:t> sur la data</a:t>
-            </a:r>
-            <a:endParaRPr lang="fr-FR"/>
-          </a:p>
-        </p:txBody>
-      </p:sp>
-      <p:sp>
-        <p:nvSpPr>
-          <p:cNvPr id="3" name="Espace réservé du contenu 2">
+            <a:endParaRPr lang="en-US"/>
+          </a:p>
+        </p:txBody>
+      </p:sp>
+      <p:pic>
+        <p:nvPicPr>
+          <p:cNvPr id="2" name="Image 2">
             <a:extLst>
               <a:ext uri="{FF2B5EF4-FFF2-40B4-BE49-F238E27FC236}">
-                <a16:creationId xmlns:a16="http://schemas.microsoft.com/office/drawing/2014/main" id="{A009521B-ABD9-4058-ACEE-8C896F51C2A3}"/>
+                <a16:creationId xmlns:a16="http://schemas.microsoft.com/office/drawing/2014/main" id="{433F398D-695A-435A-A9C8-40F243782248}"/>
               </a:ext>
             </a:extLst>
           </p:cNvPr>
-          <p:cNvSpPr>
-            <a:spLocks noGrp="1"/>
-          </p:cNvSpPr>
-          <p:nvPr>
-            <p:ph idx="1"/>
-          </p:nvPr>
-        </p:nvSpPr>
-        <p:spPr/>
-        <p:txBody>
-          <a:bodyPr/>
-          <a:lstStyle/>
-          <a:p>
-            <a:r>
-              <a:rPr lang="fr-FR" dirty="0">
-                <a:latin typeface="Consolas"/>
-              </a:rPr>
-              <a:t>Total </a:t>
-            </a:r>
-            <a:r>
-              <a:rPr lang="fr-FR" dirty="0" err="1">
-                <a:latin typeface="Consolas"/>
-              </a:rPr>
-              <a:t>number</a:t>
-            </a:r>
-            <a:r>
-              <a:rPr lang="fr-FR" dirty="0">
-                <a:latin typeface="Consolas"/>
-              </a:rPr>
-              <a:t> of records: 48842</a:t>
-            </a:r>
-            <a:endParaRPr lang="fr-FR" dirty="0">
-              <a:latin typeface="Gill Sans MT" panose="020B0502020104020203"/>
-            </a:endParaRPr>
-          </a:p>
-          <a:p>
-            <a:r>
-              <a:rPr lang="fr-FR" dirty="0" err="1">
-                <a:latin typeface="Consolas"/>
-              </a:rPr>
-              <a:t>Individuals</a:t>
-            </a:r>
-            <a:r>
-              <a:rPr lang="fr-FR" dirty="0">
-                <a:latin typeface="Consolas"/>
-              </a:rPr>
-              <a:t> </a:t>
-            </a:r>
-            <a:r>
-              <a:rPr lang="fr-FR" dirty="0" err="1">
-                <a:latin typeface="Consolas"/>
-              </a:rPr>
-              <a:t>making</a:t>
-            </a:r>
-            <a:r>
-              <a:rPr lang="fr-FR" dirty="0">
-                <a:latin typeface="Consolas"/>
-              </a:rPr>
-              <a:t> more </a:t>
-            </a:r>
-            <a:r>
-              <a:rPr lang="fr-FR" dirty="0" err="1">
-                <a:latin typeface="Consolas"/>
-              </a:rPr>
-              <a:t>than</a:t>
-            </a:r>
-            <a:r>
-              <a:rPr lang="fr-FR" dirty="0">
-                <a:latin typeface="Consolas"/>
-              </a:rPr>
-              <a:t> $50,000: 11687</a:t>
-            </a:r>
-            <a:endParaRPr lang="fr-FR" dirty="0">
-              <a:latin typeface="Gill Sans MT" panose="020B0502020104020203"/>
-            </a:endParaRPr>
-          </a:p>
-          <a:p>
-            <a:r>
-              <a:rPr lang="fr-FR" dirty="0" err="1">
-                <a:latin typeface="Consolas"/>
-              </a:rPr>
-              <a:t>Individuals</a:t>
-            </a:r>
-            <a:r>
-              <a:rPr lang="fr-FR" dirty="0">
-                <a:latin typeface="Consolas"/>
-              </a:rPr>
-              <a:t> </a:t>
-            </a:r>
-            <a:r>
-              <a:rPr lang="fr-FR" dirty="0" err="1">
-                <a:latin typeface="Consolas"/>
-              </a:rPr>
-              <a:t>making</a:t>
-            </a:r>
-            <a:r>
-              <a:rPr lang="fr-FR" dirty="0">
-                <a:latin typeface="Consolas"/>
-              </a:rPr>
-              <a:t> at </a:t>
-            </a:r>
-            <a:r>
-              <a:rPr lang="fr-FR" dirty="0" err="1">
-                <a:latin typeface="Consolas"/>
-              </a:rPr>
-              <a:t>most</a:t>
-            </a:r>
-            <a:r>
-              <a:rPr lang="fr-FR" dirty="0">
-                <a:latin typeface="Consolas"/>
-              </a:rPr>
-              <a:t> $50,000: 37155</a:t>
-            </a:r>
-            <a:endParaRPr lang="fr-FR" dirty="0">
-              <a:latin typeface="Gill Sans MT" panose="020B0502020104020203"/>
-            </a:endParaRPr>
-          </a:p>
-          <a:p>
-            <a:r>
-              <a:rPr lang="fr-FR" dirty="0">
-                <a:latin typeface="Consolas"/>
-              </a:rPr>
-              <a:t>Percentage of </a:t>
-            </a:r>
-            <a:r>
-              <a:rPr lang="fr-FR" dirty="0" err="1">
-                <a:latin typeface="Consolas"/>
-              </a:rPr>
-              <a:t>individuals</a:t>
-            </a:r>
-            <a:r>
-              <a:rPr lang="fr-FR" dirty="0">
-                <a:latin typeface="Consolas"/>
-              </a:rPr>
-              <a:t> </a:t>
-            </a:r>
-            <a:r>
-              <a:rPr lang="fr-FR" dirty="0" err="1">
-                <a:latin typeface="Consolas"/>
-              </a:rPr>
-              <a:t>making</a:t>
-            </a:r>
-            <a:r>
-              <a:rPr lang="fr-FR" dirty="0">
-                <a:latin typeface="Consolas"/>
-              </a:rPr>
-              <a:t> more </a:t>
-            </a:r>
-            <a:r>
-              <a:rPr lang="fr-FR" dirty="0" err="1">
-                <a:latin typeface="Consolas"/>
-              </a:rPr>
-              <a:t>than</a:t>
-            </a:r>
-            <a:r>
-              <a:rPr lang="fr-FR" dirty="0">
-                <a:latin typeface="Consolas"/>
-              </a:rPr>
-              <a:t> $50,000: 23.93%</a:t>
-            </a:r>
-          </a:p>
-          <a:p>
-            <a:pPr marL="0" indent="0" algn="ctr">
-              <a:buNone/>
-            </a:pPr>
-            <a:r>
-              <a:rPr lang="fr-FR" b="1" dirty="0">
-                <a:latin typeface="Consolas"/>
-              </a:rPr>
-              <a:t>False positive</a:t>
-            </a:r>
-          </a:p>
-        </p:txBody>
-      </p:sp>
+          <p:cNvPicPr>
+            <a:picLocks noChangeAspect="1"/>
+          </p:cNvPicPr>
+          <p:nvPr/>
+        </p:nvPicPr>
+        <p:blipFill>
+          <a:blip r:embed="rId3"/>
+          <a:stretch>
+            <a:fillRect/>
+          </a:stretch>
+        </p:blipFill>
+        <p:spPr>
+          <a:xfrm>
+            <a:off x="2847177" y="643467"/>
+            <a:ext cx="6497646" cy="4873234"/>
+          </a:xfrm>
+          <a:prstGeom prst="rect">
+            <a:avLst/>
+          </a:prstGeom>
+        </p:spPr>
+      </p:pic>
     </p:spTree>
     <p:extLst>
       <p:ext uri="{BB962C8B-B14F-4D97-AF65-F5344CB8AC3E}">
-        <p14:creationId xmlns:p14="http://schemas.microsoft.com/office/powerpoint/2010/main" val="1329007648"/>
+        <p14:creationId xmlns:p14="http://schemas.microsoft.com/office/powerpoint/2010/main" val="978069724"/>
       </p:ext>
     </p:extLst>
   </p:cSld>
@@ -5389,754 +5323,6 @@
 </file>
 
 <file path=ppt/slides/slide11.xml><?xml version="1.0" encoding="utf-8"?>
-<p:sld xmlns:a="http://schemas.openxmlformats.org/drawingml/2006/main" xmlns:r="http://schemas.openxmlformats.org/officeDocument/2006/relationships" xmlns:p="http://schemas.openxmlformats.org/presentationml/2006/main">
-  <p:cSld>
-    <p:spTree>
-      <p:nvGrpSpPr>
-        <p:cNvPr id="1" name=""/>
-        <p:cNvGrpSpPr/>
-        <p:nvPr/>
-      </p:nvGrpSpPr>
-      <p:grpSpPr>
-        <a:xfrm>
-          <a:off x="0" y="0"/>
-          <a:ext cx="0" cy="0"/>
-          <a:chOff x="0" y="0"/>
-          <a:chExt cx="0" cy="0"/>
-        </a:xfrm>
-      </p:grpSpPr>
-      <p:sp>
-        <p:nvSpPr>
-          <p:cNvPr id="2" name="Titre 1">
-            <a:extLst>
-              <a:ext uri="{FF2B5EF4-FFF2-40B4-BE49-F238E27FC236}">
-                <a16:creationId xmlns:a16="http://schemas.microsoft.com/office/drawing/2014/main" id="{F9F0CC20-0CB3-4223-9233-74DD7398AC11}"/>
-              </a:ext>
-            </a:extLst>
-          </p:cNvPr>
-          <p:cNvSpPr>
-            <a:spLocks noGrp="1"/>
-          </p:cNvSpPr>
-          <p:nvPr>
-            <p:ph type="title"/>
-          </p:nvPr>
-        </p:nvSpPr>
-        <p:spPr/>
-        <p:txBody>
-          <a:bodyPr/>
-          <a:lstStyle/>
-          <a:p>
-            <a:pPr algn="ctr"/>
-            <a:r>
-              <a:rPr lang="fr-FR" sz="2400" dirty="0" err="1"/>
-              <a:t>Metric</a:t>
-            </a:r>
-            <a:r>
-              <a:rPr lang="fr-FR" sz="2400" dirty="0"/>
-              <a:t> Mitigation</a:t>
-            </a:r>
-            <a:endParaRPr lang="fr-FR"/>
-          </a:p>
-        </p:txBody>
-      </p:sp>
-      <p:sp>
-        <p:nvSpPr>
-          <p:cNvPr id="3" name="Espace réservé du contenu 2">
-            <a:extLst>
-              <a:ext uri="{FF2B5EF4-FFF2-40B4-BE49-F238E27FC236}">
-                <a16:creationId xmlns:a16="http://schemas.microsoft.com/office/drawing/2014/main" id="{64A4F1D4-B4C4-403C-853C-BF407B36E0C6}"/>
-              </a:ext>
-            </a:extLst>
-          </p:cNvPr>
-          <p:cNvSpPr>
-            <a:spLocks noGrp="1"/>
-          </p:cNvSpPr>
-          <p:nvPr>
-            <p:ph idx="1"/>
-          </p:nvPr>
-        </p:nvSpPr>
-        <p:spPr/>
-        <p:txBody>
-          <a:bodyPr/>
-          <a:lstStyle/>
-          <a:p>
-            <a:endParaRPr lang="fr-FR"/>
-          </a:p>
-        </p:txBody>
-      </p:sp>
-    </p:spTree>
-    <p:extLst>
-      <p:ext uri="{BB962C8B-B14F-4D97-AF65-F5344CB8AC3E}">
-        <p14:creationId xmlns:p14="http://schemas.microsoft.com/office/powerpoint/2010/main" val="3411868353"/>
-      </p:ext>
-    </p:extLst>
-  </p:cSld>
-  <p:clrMapOvr>
-    <a:masterClrMapping/>
-  </p:clrMapOvr>
-</p:sld>
-</file>
-
-<file path=ppt/slides/slide12.xml><?xml version="1.0" encoding="utf-8"?>
-<p:sld xmlns:a="http://schemas.openxmlformats.org/drawingml/2006/main" xmlns:r="http://schemas.openxmlformats.org/officeDocument/2006/relationships" xmlns:p="http://schemas.openxmlformats.org/presentationml/2006/main">
-  <p:cSld>
-    <p:spTree>
-      <p:nvGrpSpPr>
-        <p:cNvPr id="1" name=""/>
-        <p:cNvGrpSpPr/>
-        <p:nvPr/>
-      </p:nvGrpSpPr>
-      <p:grpSpPr>
-        <a:xfrm>
-          <a:off x="0" y="0"/>
-          <a:ext cx="0" cy="0"/>
-          <a:chOff x="0" y="0"/>
-          <a:chExt cx="0" cy="0"/>
-        </a:xfrm>
-      </p:grpSpPr>
-      <p:sp>
-        <p:nvSpPr>
-          <p:cNvPr id="2" name="Titre 1">
-            <a:extLst>
-              <a:ext uri="{FF2B5EF4-FFF2-40B4-BE49-F238E27FC236}">
-                <a16:creationId xmlns:a16="http://schemas.microsoft.com/office/drawing/2014/main" id="{C230A2D7-2B46-4F06-9677-03A4F309D12B}"/>
-              </a:ext>
-            </a:extLst>
-          </p:cNvPr>
-          <p:cNvSpPr>
-            <a:spLocks noGrp="1"/>
-          </p:cNvSpPr>
-          <p:nvPr>
-            <p:ph type="title"/>
-          </p:nvPr>
-        </p:nvSpPr>
-        <p:spPr/>
-        <p:txBody>
-          <a:bodyPr/>
-          <a:lstStyle/>
-          <a:p>
-            <a:pPr algn="ctr"/>
-            <a:r>
-              <a:rPr lang="fr-FR" sz="2400" dirty="0">
-                <a:ea typeface="+mj-lt"/>
-                <a:cs typeface="+mj-lt"/>
-              </a:rPr>
-              <a:t>Model </a:t>
-            </a:r>
-            <a:r>
-              <a:rPr lang="fr-FR" sz="2400" dirty="0" err="1">
-                <a:ea typeface="+mj-lt"/>
-                <a:cs typeface="+mj-lt"/>
-              </a:rPr>
-              <a:t>Transparency</a:t>
-            </a:r>
-            <a:endParaRPr lang="fr-FR" sz="2400" dirty="0" err="1"/>
-          </a:p>
-        </p:txBody>
-      </p:sp>
-      <p:sp>
-        <p:nvSpPr>
-          <p:cNvPr id="3" name="Espace réservé du contenu 2">
-            <a:extLst>
-              <a:ext uri="{FF2B5EF4-FFF2-40B4-BE49-F238E27FC236}">
-                <a16:creationId xmlns:a16="http://schemas.microsoft.com/office/drawing/2014/main" id="{9EBD3D6A-3A46-4CFE-A7CD-57A655DAAA9F}"/>
-              </a:ext>
-            </a:extLst>
-          </p:cNvPr>
-          <p:cNvSpPr>
-            <a:spLocks noGrp="1"/>
-          </p:cNvSpPr>
-          <p:nvPr>
-            <p:ph idx="1"/>
-          </p:nvPr>
-        </p:nvSpPr>
-        <p:spPr/>
-        <p:txBody>
-          <a:bodyPr/>
-          <a:lstStyle/>
-          <a:p>
-            <a:endParaRPr lang="fr-FR"/>
-          </a:p>
-        </p:txBody>
-      </p:sp>
-    </p:spTree>
-    <p:extLst>
-      <p:ext uri="{BB962C8B-B14F-4D97-AF65-F5344CB8AC3E}">
-        <p14:creationId xmlns:p14="http://schemas.microsoft.com/office/powerpoint/2010/main" val="810090380"/>
-      </p:ext>
-    </p:extLst>
-  </p:cSld>
-  <p:clrMapOvr>
-    <a:masterClrMapping/>
-  </p:clrMapOvr>
-</p:sld>
-</file>
-
-<file path=ppt/slides/slide13.xml><?xml version="1.0" encoding="utf-8"?>
-<p:sld xmlns:a="http://schemas.openxmlformats.org/drawingml/2006/main" xmlns:r="http://schemas.openxmlformats.org/officeDocument/2006/relationships" xmlns:p="http://schemas.openxmlformats.org/presentationml/2006/main">
-  <p:cSld>
-    <p:spTree>
-      <p:nvGrpSpPr>
-        <p:cNvPr id="1" name=""/>
-        <p:cNvGrpSpPr/>
-        <p:nvPr/>
-      </p:nvGrpSpPr>
-      <p:grpSpPr>
-        <a:xfrm>
-          <a:off x="0" y="0"/>
-          <a:ext cx="0" cy="0"/>
-          <a:chOff x="0" y="0"/>
-          <a:chExt cx="0" cy="0"/>
-        </a:xfrm>
-      </p:grpSpPr>
-      <p:sp>
-        <p:nvSpPr>
-          <p:cNvPr id="2" name="Titre 1">
-            <a:extLst>
-              <a:ext uri="{FF2B5EF4-FFF2-40B4-BE49-F238E27FC236}">
-                <a16:creationId xmlns:a16="http://schemas.microsoft.com/office/drawing/2014/main" id="{6DCE46EB-B4FA-4CB6-B3CB-6AB6FB890EF4}"/>
-              </a:ext>
-            </a:extLst>
-          </p:cNvPr>
-          <p:cNvSpPr>
-            <a:spLocks noGrp="1"/>
-          </p:cNvSpPr>
-          <p:nvPr>
-            <p:ph type="title"/>
-          </p:nvPr>
-        </p:nvSpPr>
-        <p:spPr/>
-        <p:txBody>
-          <a:bodyPr>
-            <a:normAutofit/>
-          </a:bodyPr>
-          <a:lstStyle/>
-          <a:p>
-            <a:pPr algn="ctr"/>
-            <a:r>
-              <a:rPr lang="fr-FR" sz="2400" dirty="0">
-                <a:ea typeface="+mj-lt"/>
-                <a:cs typeface="+mj-lt"/>
-              </a:rPr>
-              <a:t>FAIRNESS METRICS</a:t>
-            </a:r>
-            <a:endParaRPr lang="fr-FR" sz="2400" dirty="0"/>
-          </a:p>
-        </p:txBody>
-      </p:sp>
-      <p:sp>
-        <p:nvSpPr>
-          <p:cNvPr id="3" name="Espace réservé du contenu 2">
-            <a:extLst>
-              <a:ext uri="{FF2B5EF4-FFF2-40B4-BE49-F238E27FC236}">
-                <a16:creationId xmlns:a16="http://schemas.microsoft.com/office/drawing/2014/main" id="{7304FB90-4659-40FD-9310-C401F2CC9A36}"/>
-              </a:ext>
-            </a:extLst>
-          </p:cNvPr>
-          <p:cNvSpPr>
-            <a:spLocks noGrp="1"/>
-          </p:cNvSpPr>
-          <p:nvPr>
-            <p:ph idx="1"/>
-          </p:nvPr>
-        </p:nvSpPr>
-        <p:spPr/>
-        <p:txBody>
-          <a:bodyPr/>
-          <a:lstStyle/>
-          <a:p>
-            <a:endParaRPr lang="fr-FR"/>
-          </a:p>
-        </p:txBody>
-      </p:sp>
-    </p:spTree>
-    <p:extLst>
-      <p:ext uri="{BB962C8B-B14F-4D97-AF65-F5344CB8AC3E}">
-        <p14:creationId xmlns:p14="http://schemas.microsoft.com/office/powerpoint/2010/main" val="4156190557"/>
-      </p:ext>
-    </p:extLst>
-  </p:cSld>
-  <p:clrMapOvr>
-    <a:masterClrMapping/>
-  </p:clrMapOvr>
-</p:sld>
-</file>
-
-<file path=ppt/slides/slide14.xml><?xml version="1.0" encoding="utf-8"?>
-<p:sld xmlns:a="http://schemas.openxmlformats.org/drawingml/2006/main" xmlns:r="http://schemas.openxmlformats.org/officeDocument/2006/relationships" xmlns:p="http://schemas.openxmlformats.org/presentationml/2006/main">
-  <p:cSld>
-    <p:spTree>
-      <p:nvGrpSpPr>
-        <p:cNvPr id="1" name=""/>
-        <p:cNvGrpSpPr/>
-        <p:nvPr/>
-      </p:nvGrpSpPr>
-      <p:grpSpPr>
-        <a:xfrm>
-          <a:off x="0" y="0"/>
-          <a:ext cx="0" cy="0"/>
-          <a:chOff x="0" y="0"/>
-          <a:chExt cx="0" cy="0"/>
-        </a:xfrm>
-      </p:grpSpPr>
-      <p:sp>
-        <p:nvSpPr>
-          <p:cNvPr id="2" name="Titre 1">
-            <a:extLst>
-              <a:ext uri="{FF2B5EF4-FFF2-40B4-BE49-F238E27FC236}">
-                <a16:creationId xmlns:a16="http://schemas.microsoft.com/office/drawing/2014/main" id="{FAEDA277-3F0F-4966-B3C3-8AED057FFD9B}"/>
-              </a:ext>
-            </a:extLst>
-          </p:cNvPr>
-          <p:cNvSpPr>
-            <a:spLocks noGrp="1"/>
-          </p:cNvSpPr>
-          <p:nvPr>
-            <p:ph type="title"/>
-          </p:nvPr>
-        </p:nvSpPr>
-        <p:spPr/>
-        <p:txBody>
-          <a:bodyPr>
-            <a:normAutofit/>
-          </a:bodyPr>
-          <a:lstStyle/>
-          <a:p>
-            <a:pPr algn="ctr"/>
-            <a:r>
-              <a:rPr lang="fr-FR" sz="2400" dirty="0"/>
-              <a:t>Conclusion</a:t>
-            </a:r>
-            <a:endParaRPr lang="fr-FR"/>
-          </a:p>
-        </p:txBody>
-      </p:sp>
-      <p:sp>
-        <p:nvSpPr>
-          <p:cNvPr id="3" name="Espace réservé du contenu 2">
-            <a:extLst>
-              <a:ext uri="{FF2B5EF4-FFF2-40B4-BE49-F238E27FC236}">
-                <a16:creationId xmlns:a16="http://schemas.microsoft.com/office/drawing/2014/main" id="{C4010738-8AB1-4CAC-AE37-B6B8E7D3FF59}"/>
-              </a:ext>
-            </a:extLst>
-          </p:cNvPr>
-          <p:cNvSpPr>
-            <a:spLocks noGrp="1"/>
-          </p:cNvSpPr>
-          <p:nvPr>
-            <p:ph idx="1"/>
-          </p:nvPr>
-        </p:nvSpPr>
-        <p:spPr/>
-        <p:txBody>
-          <a:bodyPr/>
-          <a:lstStyle/>
-          <a:p>
-            <a:endParaRPr lang="fr-FR"/>
-          </a:p>
-        </p:txBody>
-      </p:sp>
-    </p:spTree>
-    <p:extLst>
-      <p:ext uri="{BB962C8B-B14F-4D97-AF65-F5344CB8AC3E}">
-        <p14:creationId xmlns:p14="http://schemas.microsoft.com/office/powerpoint/2010/main" val="1511326811"/>
-      </p:ext>
-    </p:extLst>
-  </p:cSld>
-  <p:clrMapOvr>
-    <a:masterClrMapping/>
-  </p:clrMapOvr>
-</p:sld>
-</file>
-
-<file path=ppt/slides/slide2.xml><?xml version="1.0" encoding="utf-8"?>
-<p:sld xmlns:a="http://schemas.openxmlformats.org/drawingml/2006/main" xmlns:r="http://schemas.openxmlformats.org/officeDocument/2006/relationships" xmlns:p="http://schemas.openxmlformats.org/presentationml/2006/main">
-  <p:cSld>
-    <p:spTree>
-      <p:nvGrpSpPr>
-        <p:cNvPr id="1" name=""/>
-        <p:cNvGrpSpPr/>
-        <p:nvPr/>
-      </p:nvGrpSpPr>
-      <p:grpSpPr>
-        <a:xfrm>
-          <a:off x="0" y="0"/>
-          <a:ext cx="0" cy="0"/>
-          <a:chOff x="0" y="0"/>
-          <a:chExt cx="0" cy="0"/>
-        </a:xfrm>
-      </p:grpSpPr>
-      <p:sp>
-        <p:nvSpPr>
-          <p:cNvPr id="2" name="Titre 1">
-            <a:extLst>
-              <a:ext uri="{FF2B5EF4-FFF2-40B4-BE49-F238E27FC236}">
-                <a16:creationId xmlns:a16="http://schemas.microsoft.com/office/drawing/2014/main" id="{0E2CAFF8-15AC-444B-8488-8CD9AB9BA4EE}"/>
-              </a:ext>
-            </a:extLst>
-          </p:cNvPr>
-          <p:cNvSpPr>
-            <a:spLocks noGrp="1"/>
-          </p:cNvSpPr>
-          <p:nvPr>
-            <p:ph type="title"/>
-          </p:nvPr>
-        </p:nvSpPr>
-        <p:spPr/>
-        <p:txBody>
-          <a:bodyPr>
-            <a:normAutofit/>
-          </a:bodyPr>
-          <a:lstStyle/>
-          <a:p>
-            <a:pPr algn="ctr"/>
-            <a:r>
-              <a:rPr lang="fr-FR" sz="2400" dirty="0"/>
-              <a:t>Plan</a:t>
-            </a:r>
-            <a:endParaRPr lang="fr-FR"/>
-          </a:p>
-        </p:txBody>
-      </p:sp>
-      <p:sp>
-        <p:nvSpPr>
-          <p:cNvPr id="3" name="Espace réservé du contenu 2">
-            <a:extLst>
-              <a:ext uri="{FF2B5EF4-FFF2-40B4-BE49-F238E27FC236}">
-                <a16:creationId xmlns:a16="http://schemas.microsoft.com/office/drawing/2014/main" id="{DDB71AC9-601C-4506-B6B1-AD1D9C4CE938}"/>
-              </a:ext>
-            </a:extLst>
-          </p:cNvPr>
-          <p:cNvSpPr>
-            <a:spLocks noGrp="1"/>
-          </p:cNvSpPr>
-          <p:nvPr>
-            <p:ph idx="1"/>
-          </p:nvPr>
-        </p:nvSpPr>
-        <p:spPr/>
-        <p:txBody>
-          <a:bodyPr/>
-          <a:lstStyle/>
-          <a:p>
-            <a:r>
-              <a:rPr lang="fr-FR" dirty="0"/>
-              <a:t>Introduction</a:t>
-            </a:r>
-          </a:p>
-          <a:p>
-            <a:r>
-              <a:rPr lang="fr-FR" dirty="0"/>
-              <a:t>Histoire</a:t>
-            </a:r>
-          </a:p>
-          <a:p>
-            <a:r>
-              <a:rPr lang="fr-FR" dirty="0"/>
-              <a:t>Data exploration</a:t>
-            </a:r>
-          </a:p>
-          <a:p>
-            <a:r>
-              <a:rPr lang="fr-FR" dirty="0"/>
-              <a:t>Data </a:t>
-            </a:r>
-            <a:r>
-              <a:rPr lang="fr-FR" dirty="0" err="1"/>
-              <a:t>analysis</a:t>
-            </a:r>
-            <a:endParaRPr lang="fr-FR" dirty="0"/>
-          </a:p>
-          <a:p>
-            <a:endParaRPr lang="fr-FR" dirty="0"/>
-          </a:p>
-        </p:txBody>
-      </p:sp>
-    </p:spTree>
-    <p:extLst>
-      <p:ext uri="{BB962C8B-B14F-4D97-AF65-F5344CB8AC3E}">
-        <p14:creationId xmlns:p14="http://schemas.microsoft.com/office/powerpoint/2010/main" val="308310194"/>
-      </p:ext>
-    </p:extLst>
-  </p:cSld>
-  <p:clrMapOvr>
-    <a:masterClrMapping/>
-  </p:clrMapOvr>
-</p:sld>
-</file>
-
-<file path=ppt/slides/slide3.xml><?xml version="1.0" encoding="utf-8"?>
-<p:sld xmlns:a="http://schemas.openxmlformats.org/drawingml/2006/main" xmlns:r="http://schemas.openxmlformats.org/officeDocument/2006/relationships" xmlns:p="http://schemas.openxmlformats.org/presentationml/2006/main">
-  <p:cSld>
-    <p:spTree>
-      <p:nvGrpSpPr>
-        <p:cNvPr id="1" name=""/>
-        <p:cNvGrpSpPr/>
-        <p:nvPr/>
-      </p:nvGrpSpPr>
-      <p:grpSpPr>
-        <a:xfrm>
-          <a:off x="0" y="0"/>
-          <a:ext cx="0" cy="0"/>
-          <a:chOff x="0" y="0"/>
-          <a:chExt cx="0" cy="0"/>
-        </a:xfrm>
-      </p:grpSpPr>
-      <p:sp>
-        <p:nvSpPr>
-          <p:cNvPr id="2" name="Titre 1">
-            <a:extLst>
-              <a:ext uri="{FF2B5EF4-FFF2-40B4-BE49-F238E27FC236}">
-                <a16:creationId xmlns:a16="http://schemas.microsoft.com/office/drawing/2014/main" id="{DFA2C284-2D80-4AF7-8077-DA8771A56F80}"/>
-              </a:ext>
-            </a:extLst>
-          </p:cNvPr>
-          <p:cNvSpPr>
-            <a:spLocks noGrp="1"/>
-          </p:cNvSpPr>
-          <p:nvPr>
-            <p:ph type="title"/>
-          </p:nvPr>
-        </p:nvSpPr>
-        <p:spPr/>
-        <p:txBody>
-          <a:bodyPr>
-            <a:normAutofit/>
-          </a:bodyPr>
-          <a:lstStyle/>
-          <a:p>
-            <a:pPr algn="ctr"/>
-            <a:r>
-              <a:rPr lang="fr-FR" sz="2400" dirty="0"/>
-              <a:t>Introduction</a:t>
-            </a:r>
-            <a:endParaRPr lang="fr-FR"/>
-          </a:p>
-        </p:txBody>
-      </p:sp>
-      <p:sp>
-        <p:nvSpPr>
-          <p:cNvPr id="3" name="Espace réservé du contenu 2">
-            <a:extLst>
-              <a:ext uri="{FF2B5EF4-FFF2-40B4-BE49-F238E27FC236}">
-                <a16:creationId xmlns:a16="http://schemas.microsoft.com/office/drawing/2014/main" id="{D6C0FF28-91EA-4939-9F28-F6EE6E77F522}"/>
-              </a:ext>
-            </a:extLst>
-          </p:cNvPr>
-          <p:cNvSpPr>
-            <a:spLocks noGrp="1"/>
-          </p:cNvSpPr>
-          <p:nvPr>
-            <p:ph idx="1"/>
-          </p:nvPr>
-        </p:nvSpPr>
-        <p:spPr/>
-        <p:txBody>
-          <a:bodyPr/>
-          <a:lstStyle/>
-          <a:p>
-            <a:r>
-              <a:rPr lang="fr-FR" dirty="0"/>
-              <a:t>On va parler juste</a:t>
-            </a:r>
-          </a:p>
-        </p:txBody>
-      </p:sp>
-    </p:spTree>
-    <p:extLst>
-      <p:ext uri="{BB962C8B-B14F-4D97-AF65-F5344CB8AC3E}">
-        <p14:creationId xmlns:p14="http://schemas.microsoft.com/office/powerpoint/2010/main" val="3364632446"/>
-      </p:ext>
-    </p:extLst>
-  </p:cSld>
-  <p:clrMapOvr>
-    <a:masterClrMapping/>
-  </p:clrMapOvr>
-</p:sld>
-</file>
-
-<file path=ppt/slides/slide4.xml><?xml version="1.0" encoding="utf-8"?>
-<p:sld xmlns:a="http://schemas.openxmlformats.org/drawingml/2006/main" xmlns:r="http://schemas.openxmlformats.org/officeDocument/2006/relationships" xmlns:p="http://schemas.openxmlformats.org/presentationml/2006/main">
-  <p:cSld>
-    <p:spTree>
-      <p:nvGrpSpPr>
-        <p:cNvPr id="1" name=""/>
-        <p:cNvGrpSpPr/>
-        <p:nvPr/>
-      </p:nvGrpSpPr>
-      <p:grpSpPr>
-        <a:xfrm>
-          <a:off x="0" y="0"/>
-          <a:ext cx="0" cy="0"/>
-          <a:chOff x="0" y="0"/>
-          <a:chExt cx="0" cy="0"/>
-        </a:xfrm>
-      </p:grpSpPr>
-      <p:sp>
-        <p:nvSpPr>
-          <p:cNvPr id="2" name="Titre 1">
-            <a:extLst>
-              <a:ext uri="{FF2B5EF4-FFF2-40B4-BE49-F238E27FC236}">
-                <a16:creationId xmlns:a16="http://schemas.microsoft.com/office/drawing/2014/main" id="{9AD39E04-03F7-4262-89C2-7A1387D4747A}"/>
-              </a:ext>
-            </a:extLst>
-          </p:cNvPr>
-          <p:cNvSpPr>
-            <a:spLocks noGrp="1"/>
-          </p:cNvSpPr>
-          <p:nvPr>
-            <p:ph type="title"/>
-          </p:nvPr>
-        </p:nvSpPr>
-        <p:spPr/>
-        <p:txBody>
-          <a:bodyPr>
-            <a:normAutofit/>
-          </a:bodyPr>
-          <a:lstStyle/>
-          <a:p>
-            <a:pPr algn="ctr"/>
-            <a:r>
-              <a:rPr lang="fr-FR" sz="2400" dirty="0"/>
-              <a:t>Histoire</a:t>
-            </a:r>
-            <a:endParaRPr lang="fr-FR"/>
-          </a:p>
-        </p:txBody>
-      </p:sp>
-      <p:sp>
-        <p:nvSpPr>
-          <p:cNvPr id="3" name="Espace réservé du contenu 2">
-            <a:extLst>
-              <a:ext uri="{FF2B5EF4-FFF2-40B4-BE49-F238E27FC236}">
-                <a16:creationId xmlns:a16="http://schemas.microsoft.com/office/drawing/2014/main" id="{ECC5EC7C-413D-49F6-9EF8-13FFC918C613}"/>
-              </a:ext>
-            </a:extLst>
-          </p:cNvPr>
-          <p:cNvSpPr>
-            <a:spLocks noGrp="1"/>
-          </p:cNvSpPr>
-          <p:nvPr>
-            <p:ph idx="1"/>
-          </p:nvPr>
-        </p:nvSpPr>
-        <p:spPr/>
-        <p:txBody>
-          <a:bodyPr/>
-          <a:lstStyle/>
-          <a:p>
-            <a:r>
-              <a:rPr lang="fr-FR" dirty="0"/>
-              <a:t>L'histoire de ce pb</a:t>
-            </a:r>
-          </a:p>
-          <a:p>
-            <a:r>
-              <a:rPr lang="fr-FR" dirty="0"/>
-              <a:t>Histoire de cette </a:t>
-            </a:r>
-            <a:r>
-              <a:rPr lang="fr-FR" dirty="0" err="1"/>
-              <a:t>dataset</a:t>
-            </a:r>
-            <a:endParaRPr lang="fr-FR" dirty="0"/>
-          </a:p>
-          <a:p>
-            <a:r>
-              <a:rPr lang="fr-FR" dirty="0"/>
-              <a:t>Histoire entre white et black </a:t>
-            </a:r>
-            <a:r>
-              <a:rPr lang="fr-FR" dirty="0" err="1"/>
-              <a:t>peoble</a:t>
-            </a:r>
-          </a:p>
-          <a:p>
-            <a:pPr marL="0" indent="0">
-              <a:buNone/>
-            </a:pPr>
-            <a:endParaRPr lang="fr-FR" dirty="0"/>
-          </a:p>
-        </p:txBody>
-      </p:sp>
-    </p:spTree>
-    <p:extLst>
-      <p:ext uri="{BB962C8B-B14F-4D97-AF65-F5344CB8AC3E}">
-        <p14:creationId xmlns:p14="http://schemas.microsoft.com/office/powerpoint/2010/main" val="1876197975"/>
-      </p:ext>
-    </p:extLst>
-  </p:cSld>
-  <p:clrMapOvr>
-    <a:masterClrMapping/>
-  </p:clrMapOvr>
-</p:sld>
-</file>
-
-<file path=ppt/slides/slide5.xml><?xml version="1.0" encoding="utf-8"?>
-<p:sld xmlns:a="http://schemas.openxmlformats.org/drawingml/2006/main" xmlns:r="http://schemas.openxmlformats.org/officeDocument/2006/relationships" xmlns:p="http://schemas.openxmlformats.org/presentationml/2006/main">
-  <p:cSld>
-    <p:spTree>
-      <p:nvGrpSpPr>
-        <p:cNvPr id="1" name=""/>
-        <p:cNvGrpSpPr/>
-        <p:nvPr/>
-      </p:nvGrpSpPr>
-      <p:grpSpPr>
-        <a:xfrm>
-          <a:off x="0" y="0"/>
-          <a:ext cx="0" cy="0"/>
-          <a:chOff x="0" y="0"/>
-          <a:chExt cx="0" cy="0"/>
-        </a:xfrm>
-      </p:grpSpPr>
-      <p:sp>
-        <p:nvSpPr>
-          <p:cNvPr id="2" name="Titre 1">
-            <a:extLst>
-              <a:ext uri="{FF2B5EF4-FFF2-40B4-BE49-F238E27FC236}">
-                <a16:creationId xmlns:a16="http://schemas.microsoft.com/office/drawing/2014/main" id="{88D885C1-2C9A-4E39-80B1-57968A2FE1E4}"/>
-              </a:ext>
-            </a:extLst>
-          </p:cNvPr>
-          <p:cNvSpPr>
-            <a:spLocks noGrp="1"/>
-          </p:cNvSpPr>
-          <p:nvPr>
-            <p:ph type="title"/>
-          </p:nvPr>
-        </p:nvSpPr>
-        <p:spPr/>
-        <p:txBody>
-          <a:bodyPr/>
-          <a:lstStyle/>
-          <a:p>
-            <a:pPr algn="ctr"/>
-            <a:r>
-              <a:rPr lang="fr-FR" sz="2400" dirty="0"/>
-              <a:t>Data </a:t>
-            </a:r>
-            <a:r>
-              <a:rPr lang="fr-FR" sz="2400" dirty="0" err="1"/>
-              <a:t>analysis</a:t>
-            </a:r>
-            <a:endParaRPr lang="fr-FR"/>
-          </a:p>
-        </p:txBody>
-      </p:sp>
-    </p:spTree>
-    <p:extLst>
-      <p:ext uri="{BB962C8B-B14F-4D97-AF65-F5344CB8AC3E}">
-        <p14:creationId xmlns:p14="http://schemas.microsoft.com/office/powerpoint/2010/main" val="3125045112"/>
-      </p:ext>
-    </p:extLst>
-  </p:cSld>
-  <p:clrMapOvr>
-    <a:masterClrMapping/>
-  </p:clrMapOvr>
-</p:sld>
-</file>
-
-<file path=ppt/slides/slide6.xml><?xml version="1.0" encoding="utf-8"?>
 <p:sld xmlns:a="http://schemas.openxmlformats.org/drawingml/2006/main" xmlns:r="http://schemas.openxmlformats.org/officeDocument/2006/relationships" xmlns:p="http://schemas.openxmlformats.org/presentationml/2006/main">
   <p:cSld>
     <p:bg>
@@ -6179,7 +5365,7 @@
       </p:grpSpPr>
       <p:sp useBgFill="1">
         <p:nvSpPr>
-          <p:cNvPr id="15" name="Rectangle 14">
+          <p:cNvPr id="7" name="Rectangle 6">
             <a:extLst>
               <a:ext uri="{FF2B5EF4-FFF2-40B4-BE49-F238E27FC236}">
                 <a16:creationId xmlns:a16="http://schemas.microsoft.com/office/drawing/2014/main" id="{62C9703D-C8F9-44AD-A7C0-C2F3871F8C1B}"/>
@@ -6239,10 +5425,10 @@
       </p:sp>
       <p:pic>
         <p:nvPicPr>
-          <p:cNvPr id="3" name="Image 3">
+          <p:cNvPr id="2" name="Image 2">
             <a:extLst>
               <a:ext uri="{FF2B5EF4-FFF2-40B4-BE49-F238E27FC236}">
-                <a16:creationId xmlns:a16="http://schemas.microsoft.com/office/drawing/2014/main" id="{4FF691B8-BD8F-4A25-B7BE-BEE5BB8AEF00}"/>
+                <a16:creationId xmlns:a16="http://schemas.microsoft.com/office/drawing/2014/main" id="{6E26A7DA-CD8C-4D0B-9AF9-FCFDCBDEE751}"/>
               </a:ext>
             </a:extLst>
           </p:cNvPr>
@@ -6252,15 +5438,15 @@
           <p:nvPr/>
         </p:nvPicPr>
         <p:blipFill>
-          <a:blip r:embed="rId3"/>
+          <a:blip r:embed="rId2"/>
           <a:stretch>
             <a:fillRect/>
           </a:stretch>
         </p:blipFill>
         <p:spPr>
           <a:xfrm>
-            <a:off x="2445637" y="643467"/>
-            <a:ext cx="7300725" cy="4873234"/>
+            <a:off x="2847177" y="643467"/>
+            <a:ext cx="6497646" cy="4873234"/>
           </a:xfrm>
           <a:prstGeom prst="rect">
             <a:avLst/>
@@ -6270,7 +5456,7 @@
     </p:spTree>
     <p:extLst>
       <p:ext uri="{BB962C8B-B14F-4D97-AF65-F5344CB8AC3E}">
-        <p14:creationId xmlns:p14="http://schemas.microsoft.com/office/powerpoint/2010/main" val="1548592480"/>
+        <p14:creationId xmlns:p14="http://schemas.microsoft.com/office/powerpoint/2010/main" val="4196519834"/>
       </p:ext>
     </p:extLst>
   </p:cSld>
@@ -6280,33 +5466,9 @@
 </p:sld>
 </file>
 
-<file path=ppt/slides/slide7.xml><?xml version="1.0" encoding="utf-8"?>
+<file path=ppt/slides/slide12.xml><?xml version="1.0" encoding="utf-8"?>
 <p:sld xmlns:a="http://schemas.openxmlformats.org/drawingml/2006/main" xmlns:r="http://schemas.openxmlformats.org/officeDocument/2006/relationships" xmlns:p="http://schemas.openxmlformats.org/presentationml/2006/main">
   <p:cSld>
-    <p:bg>
-      <p:bgPr>
-        <a:gradFill rotWithShape="1">
-          <a:gsLst>
-            <a:gs pos="0">
-              <a:schemeClr val="bg2">
-                <a:tint val="94000"/>
-                <a:satMod val="80000"/>
-                <a:lumMod val="106000"/>
-              </a:schemeClr>
-            </a:gs>
-            <a:gs pos="100000">
-              <a:schemeClr val="bg2">
-                <a:shade val="80000"/>
-              </a:schemeClr>
-            </a:gs>
-          </a:gsLst>
-          <a:path path="circle">
-            <a:fillToRect l="43000" r="43000" b="100000"/>
-          </a:path>
-        </a:gradFill>
-        <a:effectLst/>
-      </p:bgPr>
-    </p:bg>
     <p:spTree>
       <p:nvGrpSpPr>
         <p:cNvPr id="1" name=""/>
@@ -6321,100 +5483,1290 @@
           <a:chExt cx="0" cy="0"/>
         </a:xfrm>
       </p:grpSpPr>
-      <p:sp useBgFill="1">
-        <p:nvSpPr>
-          <p:cNvPr id="15" name="Rectangle 14">
+      <p:sp>
+        <p:nvSpPr>
+          <p:cNvPr id="2" name="Titre 1">
             <a:extLst>
               <a:ext uri="{FF2B5EF4-FFF2-40B4-BE49-F238E27FC236}">
-                <a16:creationId xmlns:a16="http://schemas.microsoft.com/office/drawing/2014/main" id="{62C9703D-C8F9-44AD-A7C0-C2F3871F8C1B}"/>
-              </a:ext>
-              <a:ext uri="{C183D7F6-B498-43B3-948B-1728B52AA6E4}">
-                <adec:decorative xmlns:adec="http://schemas.microsoft.com/office/drawing/2017/decorative" val="1"/>
+                <a16:creationId xmlns:a16="http://schemas.microsoft.com/office/drawing/2014/main" id="{2F9002A7-00A9-4D08-BDA5-1127A81C95CC}"/>
               </a:ext>
             </a:extLst>
           </p:cNvPr>
           <p:cNvSpPr>
-            <a:spLocks noGrp="1" noRot="1" noChangeAspect="1" noMove="1" noResize="1" noEditPoints="1" noAdjustHandles="1" noChangeArrowheads="1" noChangeShapeType="1" noTextEdit="1"/>
-          </p:cNvSpPr>
-          <p:nvPr>
-            <p:extLst>
-              <p:ext uri="{386F3935-93C4-4BCD-93E2-E3B085C9AB24}">
-                <p16:designElem xmlns:p16="http://schemas.microsoft.com/office/powerpoint/2015/main" val="1"/>
-              </p:ext>
-            </p:extLst>
-          </p:nvPr>
-        </p:nvSpPr>
-        <p:spPr>
-          <a:xfrm>
-            <a:off x="0" y="0"/>
-            <a:ext cx="12192000" cy="6160168"/>
-          </a:xfrm>
-          <a:prstGeom prst="rect">
-            <a:avLst/>
-          </a:prstGeom>
-          <a:ln>
-            <a:noFill/>
-          </a:ln>
-        </p:spPr>
-        <p:style>
-          <a:lnRef idx="2">
-            <a:schemeClr val="accent1">
-              <a:shade val="50000"/>
-            </a:schemeClr>
-          </a:lnRef>
-          <a:fillRef idx="1">
-            <a:schemeClr val="accent1"/>
-          </a:fillRef>
-          <a:effectRef idx="0">
-            <a:schemeClr val="accent1"/>
-          </a:effectRef>
-          <a:fontRef idx="minor">
-            <a:schemeClr val="lt1"/>
-          </a:fontRef>
-        </p:style>
-        <p:txBody>
-          <a:bodyPr rtlCol="0" anchor="ctr"/>
+            <a:spLocks noGrp="1"/>
+          </p:cNvSpPr>
+          <p:nvPr>
+            <p:ph type="title"/>
+          </p:nvPr>
+        </p:nvSpPr>
+        <p:spPr/>
+        <p:txBody>
+          <a:bodyPr/>
           <a:lstStyle/>
           <a:p>
             <a:pPr algn="ctr"/>
-            <a:endParaRPr lang="en-US"/>
-          </a:p>
-        </p:txBody>
-      </p:sp>
-      <p:pic>
-        <p:nvPicPr>
-          <p:cNvPr id="3" name="Image 3">
+            <a:r>
+              <a:rPr lang="fr-FR" sz="2400" dirty="0" err="1"/>
+              <a:t>View</a:t>
+            </a:r>
+            <a:r>
+              <a:rPr lang="fr-FR" sz="2400" dirty="0"/>
+              <a:t> sur la data</a:t>
+            </a:r>
+            <a:endParaRPr lang="fr-FR"/>
+          </a:p>
+        </p:txBody>
+      </p:sp>
+      <p:sp>
+        <p:nvSpPr>
+          <p:cNvPr id="3" name="Espace réservé du contenu 2">
             <a:extLst>
               <a:ext uri="{FF2B5EF4-FFF2-40B4-BE49-F238E27FC236}">
-                <a16:creationId xmlns:a16="http://schemas.microsoft.com/office/drawing/2014/main" id="{AB404009-4E15-487C-A5C6-6B3AC91C1524}"/>
+                <a16:creationId xmlns:a16="http://schemas.microsoft.com/office/drawing/2014/main" id="{A009521B-ABD9-4058-ACEE-8C896F51C2A3}"/>
               </a:ext>
             </a:extLst>
           </p:cNvPr>
-          <p:cNvPicPr>
-            <a:picLocks noChangeAspect="1"/>
-          </p:cNvPicPr>
-          <p:nvPr/>
-        </p:nvPicPr>
-        <p:blipFill>
-          <a:blip r:embed="rId3"/>
-          <a:stretch>
-            <a:fillRect/>
-          </a:stretch>
-        </p:blipFill>
-        <p:spPr>
-          <a:xfrm>
-            <a:off x="2034972" y="643467"/>
-            <a:ext cx="8122056" cy="4873234"/>
-          </a:xfrm>
-          <a:prstGeom prst="rect">
-            <a:avLst/>
-          </a:prstGeom>
-        </p:spPr>
-      </p:pic>
+          <p:cNvSpPr>
+            <a:spLocks noGrp="1"/>
+          </p:cNvSpPr>
+          <p:nvPr>
+            <p:ph idx="1"/>
+          </p:nvPr>
+        </p:nvSpPr>
+        <p:spPr/>
+        <p:txBody>
+          <a:bodyPr/>
+          <a:lstStyle/>
+          <a:p>
+            <a:r>
+              <a:rPr lang="fr-FR" dirty="0">
+                <a:latin typeface="Consolas"/>
+              </a:rPr>
+              <a:t>Total </a:t>
+            </a:r>
+            <a:r>
+              <a:rPr lang="fr-FR" dirty="0" err="1">
+                <a:latin typeface="Consolas"/>
+              </a:rPr>
+              <a:t>number</a:t>
+            </a:r>
+            <a:r>
+              <a:rPr lang="fr-FR" dirty="0">
+                <a:latin typeface="Consolas"/>
+              </a:rPr>
+              <a:t> of records: 48842</a:t>
+            </a:r>
+            <a:endParaRPr lang="fr-FR" dirty="0">
+              <a:latin typeface="Gill Sans MT" panose="020B0502020104020203"/>
+            </a:endParaRPr>
+          </a:p>
+          <a:p>
+            <a:r>
+              <a:rPr lang="fr-FR" dirty="0" err="1">
+                <a:latin typeface="Consolas"/>
+              </a:rPr>
+              <a:t>Individuals</a:t>
+            </a:r>
+            <a:r>
+              <a:rPr lang="fr-FR" dirty="0">
+                <a:latin typeface="Consolas"/>
+              </a:rPr>
+              <a:t> </a:t>
+            </a:r>
+            <a:r>
+              <a:rPr lang="fr-FR" dirty="0" err="1">
+                <a:latin typeface="Consolas"/>
+              </a:rPr>
+              <a:t>making</a:t>
+            </a:r>
+            <a:r>
+              <a:rPr lang="fr-FR" dirty="0">
+                <a:latin typeface="Consolas"/>
+              </a:rPr>
+              <a:t> more </a:t>
+            </a:r>
+            <a:r>
+              <a:rPr lang="fr-FR" dirty="0" err="1">
+                <a:latin typeface="Consolas"/>
+              </a:rPr>
+              <a:t>than</a:t>
+            </a:r>
+            <a:r>
+              <a:rPr lang="fr-FR" dirty="0">
+                <a:latin typeface="Consolas"/>
+              </a:rPr>
+              <a:t> $50,000: 11687</a:t>
+            </a:r>
+            <a:endParaRPr lang="fr-FR" dirty="0">
+              <a:latin typeface="Gill Sans MT" panose="020B0502020104020203"/>
+            </a:endParaRPr>
+          </a:p>
+          <a:p>
+            <a:r>
+              <a:rPr lang="fr-FR" dirty="0" err="1">
+                <a:latin typeface="Consolas"/>
+              </a:rPr>
+              <a:t>Individuals</a:t>
+            </a:r>
+            <a:r>
+              <a:rPr lang="fr-FR" dirty="0">
+                <a:latin typeface="Consolas"/>
+              </a:rPr>
+              <a:t> </a:t>
+            </a:r>
+            <a:r>
+              <a:rPr lang="fr-FR" dirty="0" err="1">
+                <a:latin typeface="Consolas"/>
+              </a:rPr>
+              <a:t>making</a:t>
+            </a:r>
+            <a:r>
+              <a:rPr lang="fr-FR" dirty="0">
+                <a:latin typeface="Consolas"/>
+              </a:rPr>
+              <a:t> at </a:t>
+            </a:r>
+            <a:r>
+              <a:rPr lang="fr-FR" dirty="0" err="1">
+                <a:latin typeface="Consolas"/>
+              </a:rPr>
+              <a:t>most</a:t>
+            </a:r>
+            <a:r>
+              <a:rPr lang="fr-FR" dirty="0">
+                <a:latin typeface="Consolas"/>
+              </a:rPr>
+              <a:t> $50,000: 37155</a:t>
+            </a:r>
+            <a:endParaRPr lang="fr-FR" dirty="0">
+              <a:latin typeface="Gill Sans MT" panose="020B0502020104020203"/>
+            </a:endParaRPr>
+          </a:p>
+          <a:p>
+            <a:r>
+              <a:rPr lang="fr-FR" dirty="0">
+                <a:latin typeface="Consolas"/>
+              </a:rPr>
+              <a:t>Percentage of </a:t>
+            </a:r>
+            <a:r>
+              <a:rPr lang="fr-FR" dirty="0" err="1">
+                <a:latin typeface="Consolas"/>
+              </a:rPr>
+              <a:t>individuals</a:t>
+            </a:r>
+            <a:r>
+              <a:rPr lang="fr-FR" dirty="0">
+                <a:latin typeface="Consolas"/>
+              </a:rPr>
+              <a:t> </a:t>
+            </a:r>
+            <a:r>
+              <a:rPr lang="fr-FR" dirty="0" err="1">
+                <a:latin typeface="Consolas"/>
+              </a:rPr>
+              <a:t>making</a:t>
+            </a:r>
+            <a:r>
+              <a:rPr lang="fr-FR" dirty="0">
+                <a:latin typeface="Consolas"/>
+              </a:rPr>
+              <a:t> more </a:t>
+            </a:r>
+            <a:r>
+              <a:rPr lang="fr-FR" dirty="0" err="1">
+                <a:latin typeface="Consolas"/>
+              </a:rPr>
+              <a:t>than</a:t>
+            </a:r>
+            <a:r>
+              <a:rPr lang="fr-FR" dirty="0">
+                <a:latin typeface="Consolas"/>
+              </a:rPr>
+              <a:t> $50,000: 23.93%</a:t>
+            </a:r>
+          </a:p>
+          <a:p>
+            <a:pPr marL="0" indent="0" algn="ctr">
+              <a:buNone/>
+            </a:pPr>
+            <a:r>
+              <a:rPr lang="fr-FR" b="1" dirty="0">
+                <a:latin typeface="Consolas"/>
+              </a:rPr>
+              <a:t>False positive</a:t>
+            </a:r>
+          </a:p>
+        </p:txBody>
+      </p:sp>
     </p:spTree>
     <p:extLst>
       <p:ext uri="{BB962C8B-B14F-4D97-AF65-F5344CB8AC3E}">
-        <p14:creationId xmlns:p14="http://schemas.microsoft.com/office/powerpoint/2010/main" val="1514043972"/>
+        <p14:creationId xmlns:p14="http://schemas.microsoft.com/office/powerpoint/2010/main" val="1329007648"/>
+      </p:ext>
+    </p:extLst>
+  </p:cSld>
+  <p:clrMapOvr>
+    <a:masterClrMapping/>
+  </p:clrMapOvr>
+</p:sld>
+</file>
+
+<file path=ppt/slides/slide13.xml><?xml version="1.0" encoding="utf-8"?>
+<p:sld xmlns:a="http://schemas.openxmlformats.org/drawingml/2006/main" xmlns:r="http://schemas.openxmlformats.org/officeDocument/2006/relationships" xmlns:p="http://schemas.openxmlformats.org/presentationml/2006/main">
+  <p:cSld>
+    <p:spTree>
+      <p:nvGrpSpPr>
+        <p:cNvPr id="1" name=""/>
+        <p:cNvGrpSpPr/>
+        <p:nvPr/>
+      </p:nvGrpSpPr>
+      <p:grpSpPr>
+        <a:xfrm>
+          <a:off x="0" y="0"/>
+          <a:ext cx="0" cy="0"/>
+          <a:chOff x="0" y="0"/>
+          <a:chExt cx="0" cy="0"/>
+        </a:xfrm>
+      </p:grpSpPr>
+      <p:sp>
+        <p:nvSpPr>
+          <p:cNvPr id="2" name="Titre 1">
+            <a:extLst>
+              <a:ext uri="{FF2B5EF4-FFF2-40B4-BE49-F238E27FC236}">
+                <a16:creationId xmlns:a16="http://schemas.microsoft.com/office/drawing/2014/main" id="{F9F0CC20-0CB3-4223-9233-74DD7398AC11}"/>
+              </a:ext>
+            </a:extLst>
+          </p:cNvPr>
+          <p:cNvSpPr>
+            <a:spLocks noGrp="1"/>
+          </p:cNvSpPr>
+          <p:nvPr>
+            <p:ph type="title"/>
+          </p:nvPr>
+        </p:nvSpPr>
+        <p:spPr/>
+        <p:txBody>
+          <a:bodyPr/>
+          <a:lstStyle/>
+          <a:p>
+            <a:pPr algn="ctr"/>
+            <a:r>
+              <a:rPr lang="fr-FR" sz="2400" dirty="0" err="1"/>
+              <a:t>Metric</a:t>
+            </a:r>
+            <a:r>
+              <a:rPr lang="fr-FR" sz="2400" dirty="0"/>
+              <a:t> Mitigation</a:t>
+            </a:r>
+            <a:endParaRPr lang="fr-FR"/>
+          </a:p>
+        </p:txBody>
+      </p:sp>
+      <p:sp>
+        <p:nvSpPr>
+          <p:cNvPr id="3" name="Espace réservé du contenu 2">
+            <a:extLst>
+              <a:ext uri="{FF2B5EF4-FFF2-40B4-BE49-F238E27FC236}">
+                <a16:creationId xmlns:a16="http://schemas.microsoft.com/office/drawing/2014/main" id="{64A4F1D4-B4C4-403C-853C-BF407B36E0C6}"/>
+              </a:ext>
+            </a:extLst>
+          </p:cNvPr>
+          <p:cNvSpPr>
+            <a:spLocks noGrp="1"/>
+          </p:cNvSpPr>
+          <p:nvPr>
+            <p:ph idx="1"/>
+          </p:nvPr>
+        </p:nvSpPr>
+        <p:spPr/>
+        <p:txBody>
+          <a:bodyPr/>
+          <a:lstStyle/>
+          <a:p>
+            <a:endParaRPr lang="fr-FR"/>
+          </a:p>
+        </p:txBody>
+      </p:sp>
+    </p:spTree>
+    <p:extLst>
+      <p:ext uri="{BB962C8B-B14F-4D97-AF65-F5344CB8AC3E}">
+        <p14:creationId xmlns:p14="http://schemas.microsoft.com/office/powerpoint/2010/main" val="3411868353"/>
+      </p:ext>
+    </p:extLst>
+  </p:cSld>
+  <p:clrMapOvr>
+    <a:masterClrMapping/>
+  </p:clrMapOvr>
+</p:sld>
+</file>
+
+<file path=ppt/slides/slide14.xml><?xml version="1.0" encoding="utf-8"?>
+<p:sld xmlns:a="http://schemas.openxmlformats.org/drawingml/2006/main" xmlns:r="http://schemas.openxmlformats.org/officeDocument/2006/relationships" xmlns:p="http://schemas.openxmlformats.org/presentationml/2006/main">
+  <p:cSld>
+    <p:spTree>
+      <p:nvGrpSpPr>
+        <p:cNvPr id="1" name=""/>
+        <p:cNvGrpSpPr/>
+        <p:nvPr/>
+      </p:nvGrpSpPr>
+      <p:grpSpPr>
+        <a:xfrm>
+          <a:off x="0" y="0"/>
+          <a:ext cx="0" cy="0"/>
+          <a:chOff x="0" y="0"/>
+          <a:chExt cx="0" cy="0"/>
+        </a:xfrm>
+      </p:grpSpPr>
+      <p:sp>
+        <p:nvSpPr>
+          <p:cNvPr id="2" name="Titre 1">
+            <a:extLst>
+              <a:ext uri="{FF2B5EF4-FFF2-40B4-BE49-F238E27FC236}">
+                <a16:creationId xmlns:a16="http://schemas.microsoft.com/office/drawing/2014/main" id="{C230A2D7-2B46-4F06-9677-03A4F309D12B}"/>
+              </a:ext>
+            </a:extLst>
+          </p:cNvPr>
+          <p:cNvSpPr>
+            <a:spLocks noGrp="1"/>
+          </p:cNvSpPr>
+          <p:nvPr>
+            <p:ph type="title"/>
+          </p:nvPr>
+        </p:nvSpPr>
+        <p:spPr/>
+        <p:txBody>
+          <a:bodyPr/>
+          <a:lstStyle/>
+          <a:p>
+            <a:pPr algn="ctr"/>
+            <a:r>
+              <a:rPr lang="fr-FR" sz="2400" dirty="0">
+                <a:ea typeface="+mj-lt"/>
+                <a:cs typeface="+mj-lt"/>
+              </a:rPr>
+              <a:t>Model </a:t>
+            </a:r>
+            <a:r>
+              <a:rPr lang="fr-FR" sz="2400" dirty="0" err="1">
+                <a:ea typeface="+mj-lt"/>
+                <a:cs typeface="+mj-lt"/>
+              </a:rPr>
+              <a:t>Transparency</a:t>
+            </a:r>
+            <a:endParaRPr lang="fr-FR" sz="2400" dirty="0" err="1"/>
+          </a:p>
+        </p:txBody>
+      </p:sp>
+      <p:sp>
+        <p:nvSpPr>
+          <p:cNvPr id="3" name="Espace réservé du contenu 2">
+            <a:extLst>
+              <a:ext uri="{FF2B5EF4-FFF2-40B4-BE49-F238E27FC236}">
+                <a16:creationId xmlns:a16="http://schemas.microsoft.com/office/drawing/2014/main" id="{9EBD3D6A-3A46-4CFE-A7CD-57A655DAAA9F}"/>
+              </a:ext>
+            </a:extLst>
+          </p:cNvPr>
+          <p:cNvSpPr>
+            <a:spLocks noGrp="1"/>
+          </p:cNvSpPr>
+          <p:nvPr>
+            <p:ph idx="1"/>
+          </p:nvPr>
+        </p:nvSpPr>
+        <p:spPr/>
+        <p:txBody>
+          <a:bodyPr/>
+          <a:lstStyle/>
+          <a:p>
+            <a:endParaRPr lang="fr-FR"/>
+          </a:p>
+        </p:txBody>
+      </p:sp>
+    </p:spTree>
+    <p:extLst>
+      <p:ext uri="{BB962C8B-B14F-4D97-AF65-F5344CB8AC3E}">
+        <p14:creationId xmlns:p14="http://schemas.microsoft.com/office/powerpoint/2010/main" val="810090380"/>
+      </p:ext>
+    </p:extLst>
+  </p:cSld>
+  <p:clrMapOvr>
+    <a:masterClrMapping/>
+  </p:clrMapOvr>
+</p:sld>
+</file>
+
+<file path=ppt/slides/slide15.xml><?xml version="1.0" encoding="utf-8"?>
+<p:sld xmlns:a="http://schemas.openxmlformats.org/drawingml/2006/main" xmlns:r="http://schemas.openxmlformats.org/officeDocument/2006/relationships" xmlns:p="http://schemas.openxmlformats.org/presentationml/2006/main">
+  <p:cSld>
+    <p:spTree>
+      <p:nvGrpSpPr>
+        <p:cNvPr id="1" name=""/>
+        <p:cNvGrpSpPr/>
+        <p:nvPr/>
+      </p:nvGrpSpPr>
+      <p:grpSpPr>
+        <a:xfrm>
+          <a:off x="0" y="0"/>
+          <a:ext cx="0" cy="0"/>
+          <a:chOff x="0" y="0"/>
+          <a:chExt cx="0" cy="0"/>
+        </a:xfrm>
+      </p:grpSpPr>
+      <p:sp>
+        <p:nvSpPr>
+          <p:cNvPr id="2" name="Titre 1">
+            <a:extLst>
+              <a:ext uri="{FF2B5EF4-FFF2-40B4-BE49-F238E27FC236}">
+                <a16:creationId xmlns:a16="http://schemas.microsoft.com/office/drawing/2014/main" id="{6DCE46EB-B4FA-4CB6-B3CB-6AB6FB890EF4}"/>
+              </a:ext>
+            </a:extLst>
+          </p:cNvPr>
+          <p:cNvSpPr>
+            <a:spLocks noGrp="1"/>
+          </p:cNvSpPr>
+          <p:nvPr>
+            <p:ph type="title"/>
+          </p:nvPr>
+        </p:nvSpPr>
+        <p:spPr/>
+        <p:txBody>
+          <a:bodyPr>
+            <a:normAutofit/>
+          </a:bodyPr>
+          <a:lstStyle/>
+          <a:p>
+            <a:pPr algn="ctr"/>
+            <a:r>
+              <a:rPr lang="fr-FR" sz="2400" dirty="0">
+                <a:ea typeface="+mj-lt"/>
+                <a:cs typeface="+mj-lt"/>
+              </a:rPr>
+              <a:t>FAIRNESS METRICS</a:t>
+            </a:r>
+            <a:endParaRPr lang="fr-FR" sz="2400" dirty="0"/>
+          </a:p>
+        </p:txBody>
+      </p:sp>
+      <p:sp>
+        <p:nvSpPr>
+          <p:cNvPr id="3" name="Espace réservé du contenu 2">
+            <a:extLst>
+              <a:ext uri="{FF2B5EF4-FFF2-40B4-BE49-F238E27FC236}">
+                <a16:creationId xmlns:a16="http://schemas.microsoft.com/office/drawing/2014/main" id="{7304FB90-4659-40FD-9310-C401F2CC9A36}"/>
+              </a:ext>
+            </a:extLst>
+          </p:cNvPr>
+          <p:cNvSpPr>
+            <a:spLocks noGrp="1"/>
+          </p:cNvSpPr>
+          <p:nvPr>
+            <p:ph idx="1"/>
+          </p:nvPr>
+        </p:nvSpPr>
+        <p:spPr/>
+        <p:txBody>
+          <a:bodyPr/>
+          <a:lstStyle/>
+          <a:p>
+            <a:endParaRPr lang="fr-FR"/>
+          </a:p>
+        </p:txBody>
+      </p:sp>
+    </p:spTree>
+    <p:extLst>
+      <p:ext uri="{BB962C8B-B14F-4D97-AF65-F5344CB8AC3E}">
+        <p14:creationId xmlns:p14="http://schemas.microsoft.com/office/powerpoint/2010/main" val="4156190557"/>
+      </p:ext>
+    </p:extLst>
+  </p:cSld>
+  <p:clrMapOvr>
+    <a:masterClrMapping/>
+  </p:clrMapOvr>
+</p:sld>
+</file>
+
+<file path=ppt/slides/slide16.xml><?xml version="1.0" encoding="utf-8"?>
+<p:sld xmlns:a="http://schemas.openxmlformats.org/drawingml/2006/main" xmlns:r="http://schemas.openxmlformats.org/officeDocument/2006/relationships" xmlns:p="http://schemas.openxmlformats.org/presentationml/2006/main">
+  <p:cSld>
+    <p:spTree>
+      <p:nvGrpSpPr>
+        <p:cNvPr id="1" name=""/>
+        <p:cNvGrpSpPr/>
+        <p:nvPr/>
+      </p:nvGrpSpPr>
+      <p:grpSpPr>
+        <a:xfrm>
+          <a:off x="0" y="0"/>
+          <a:ext cx="0" cy="0"/>
+          <a:chOff x="0" y="0"/>
+          <a:chExt cx="0" cy="0"/>
+        </a:xfrm>
+      </p:grpSpPr>
+      <p:sp>
+        <p:nvSpPr>
+          <p:cNvPr id="2" name="Titre 1">
+            <a:extLst>
+              <a:ext uri="{FF2B5EF4-FFF2-40B4-BE49-F238E27FC236}">
+                <a16:creationId xmlns:a16="http://schemas.microsoft.com/office/drawing/2014/main" id="{FAEDA277-3F0F-4966-B3C3-8AED057FFD9B}"/>
+              </a:ext>
+            </a:extLst>
+          </p:cNvPr>
+          <p:cNvSpPr>
+            <a:spLocks noGrp="1"/>
+          </p:cNvSpPr>
+          <p:nvPr>
+            <p:ph type="title"/>
+          </p:nvPr>
+        </p:nvSpPr>
+        <p:spPr/>
+        <p:txBody>
+          <a:bodyPr>
+            <a:normAutofit/>
+          </a:bodyPr>
+          <a:lstStyle/>
+          <a:p>
+            <a:pPr algn="ctr"/>
+            <a:r>
+              <a:rPr lang="fr-FR" sz="2400" dirty="0"/>
+              <a:t>Conclusion</a:t>
+            </a:r>
+            <a:endParaRPr lang="fr-FR"/>
+          </a:p>
+        </p:txBody>
+      </p:sp>
+      <p:sp>
+        <p:nvSpPr>
+          <p:cNvPr id="3" name="Espace réservé du contenu 2">
+            <a:extLst>
+              <a:ext uri="{FF2B5EF4-FFF2-40B4-BE49-F238E27FC236}">
+                <a16:creationId xmlns:a16="http://schemas.microsoft.com/office/drawing/2014/main" id="{C4010738-8AB1-4CAC-AE37-B6B8E7D3FF59}"/>
+              </a:ext>
+            </a:extLst>
+          </p:cNvPr>
+          <p:cNvSpPr>
+            <a:spLocks noGrp="1"/>
+          </p:cNvSpPr>
+          <p:nvPr>
+            <p:ph idx="1"/>
+          </p:nvPr>
+        </p:nvSpPr>
+        <p:spPr/>
+        <p:txBody>
+          <a:bodyPr/>
+          <a:lstStyle/>
+          <a:p>
+            <a:endParaRPr lang="fr-FR"/>
+          </a:p>
+        </p:txBody>
+      </p:sp>
+    </p:spTree>
+    <p:extLst>
+      <p:ext uri="{BB962C8B-B14F-4D97-AF65-F5344CB8AC3E}">
+        <p14:creationId xmlns:p14="http://schemas.microsoft.com/office/powerpoint/2010/main" val="1511326811"/>
+      </p:ext>
+    </p:extLst>
+  </p:cSld>
+  <p:clrMapOvr>
+    <a:masterClrMapping/>
+  </p:clrMapOvr>
+</p:sld>
+</file>
+
+<file path=ppt/slides/slide2.xml><?xml version="1.0" encoding="utf-8"?>
+<p:sld xmlns:a="http://schemas.openxmlformats.org/drawingml/2006/main" xmlns:r="http://schemas.openxmlformats.org/officeDocument/2006/relationships" xmlns:p="http://schemas.openxmlformats.org/presentationml/2006/main">
+  <p:cSld>
+    <p:spTree>
+      <p:nvGrpSpPr>
+        <p:cNvPr id="1" name=""/>
+        <p:cNvGrpSpPr/>
+        <p:nvPr/>
+      </p:nvGrpSpPr>
+      <p:grpSpPr>
+        <a:xfrm>
+          <a:off x="0" y="0"/>
+          <a:ext cx="0" cy="0"/>
+          <a:chOff x="0" y="0"/>
+          <a:chExt cx="0" cy="0"/>
+        </a:xfrm>
+      </p:grpSpPr>
+      <p:sp>
+        <p:nvSpPr>
+          <p:cNvPr id="2" name="Titre 1">
+            <a:extLst>
+              <a:ext uri="{FF2B5EF4-FFF2-40B4-BE49-F238E27FC236}">
+                <a16:creationId xmlns:a16="http://schemas.microsoft.com/office/drawing/2014/main" id="{0E2CAFF8-15AC-444B-8488-8CD9AB9BA4EE}"/>
+              </a:ext>
+            </a:extLst>
+          </p:cNvPr>
+          <p:cNvSpPr>
+            <a:spLocks noGrp="1"/>
+          </p:cNvSpPr>
+          <p:nvPr>
+            <p:ph type="title"/>
+          </p:nvPr>
+        </p:nvSpPr>
+        <p:spPr/>
+        <p:txBody>
+          <a:bodyPr>
+            <a:normAutofit/>
+          </a:bodyPr>
+          <a:lstStyle/>
+          <a:p>
+            <a:pPr algn="ctr"/>
+            <a:r>
+              <a:rPr lang="fr-FR" sz="2400" dirty="0"/>
+              <a:t>Plan</a:t>
+            </a:r>
+            <a:endParaRPr lang="fr-FR"/>
+          </a:p>
+        </p:txBody>
+      </p:sp>
+      <p:sp>
+        <p:nvSpPr>
+          <p:cNvPr id="3" name="Espace réservé du contenu 2">
+            <a:extLst>
+              <a:ext uri="{FF2B5EF4-FFF2-40B4-BE49-F238E27FC236}">
+                <a16:creationId xmlns:a16="http://schemas.microsoft.com/office/drawing/2014/main" id="{DDB71AC9-601C-4506-B6B1-AD1D9C4CE938}"/>
+              </a:ext>
+            </a:extLst>
+          </p:cNvPr>
+          <p:cNvSpPr>
+            <a:spLocks noGrp="1"/>
+          </p:cNvSpPr>
+          <p:nvPr>
+            <p:ph idx="1"/>
+          </p:nvPr>
+        </p:nvSpPr>
+        <p:spPr/>
+        <p:txBody>
+          <a:bodyPr/>
+          <a:lstStyle/>
+          <a:p>
+            <a:r>
+              <a:rPr lang="fr-FR" dirty="0"/>
+              <a:t>Introduction</a:t>
+            </a:r>
+          </a:p>
+          <a:p>
+            <a:r>
+              <a:rPr lang="fr-FR" dirty="0"/>
+              <a:t>Histoire</a:t>
+            </a:r>
+          </a:p>
+          <a:p>
+            <a:r>
+              <a:rPr lang="fr-FR" dirty="0"/>
+              <a:t>Data exploration</a:t>
+            </a:r>
+          </a:p>
+          <a:p>
+            <a:r>
+              <a:rPr lang="fr-FR" dirty="0"/>
+              <a:t>Data </a:t>
+            </a:r>
+            <a:r>
+              <a:rPr lang="fr-FR" dirty="0" err="1"/>
+              <a:t>analysis</a:t>
+            </a:r>
+          </a:p>
+          <a:p>
+            <a:r>
+              <a:rPr lang="fr-FR" dirty="0">
+                <a:ea typeface="+mn-lt"/>
+                <a:cs typeface="+mn-lt"/>
+              </a:rPr>
+              <a:t>Evaluation </a:t>
+            </a:r>
+            <a:r>
+              <a:rPr lang="fr-FR" dirty="0" err="1">
+                <a:ea typeface="+mn-lt"/>
+                <a:cs typeface="+mn-lt"/>
+              </a:rPr>
+              <a:t>bias</a:t>
+            </a:r>
+            <a:endParaRPr lang="fr-FR" dirty="0" err="1"/>
+          </a:p>
+          <a:p>
+            <a:r>
+              <a:rPr lang="fr-FR">
+                <a:ea typeface="+mn-lt"/>
+                <a:cs typeface="+mn-lt"/>
+              </a:rPr>
+              <a:t>Bias Mitigation</a:t>
+            </a:r>
+            <a:endParaRPr lang="fr-FR" dirty="0"/>
+          </a:p>
+          <a:p>
+            <a:endParaRPr lang="fr-FR" dirty="0"/>
+          </a:p>
+        </p:txBody>
+      </p:sp>
+    </p:spTree>
+    <p:extLst>
+      <p:ext uri="{BB962C8B-B14F-4D97-AF65-F5344CB8AC3E}">
+        <p14:creationId xmlns:p14="http://schemas.microsoft.com/office/powerpoint/2010/main" val="308310194"/>
+      </p:ext>
+    </p:extLst>
+  </p:cSld>
+  <p:clrMapOvr>
+    <a:masterClrMapping/>
+  </p:clrMapOvr>
+</p:sld>
+</file>
+
+<file path=ppt/slides/slide3.xml><?xml version="1.0" encoding="utf-8"?>
+<p:sld xmlns:a="http://schemas.openxmlformats.org/drawingml/2006/main" xmlns:r="http://schemas.openxmlformats.org/officeDocument/2006/relationships" xmlns:p="http://schemas.openxmlformats.org/presentationml/2006/main">
+  <p:cSld>
+    <p:spTree>
+      <p:nvGrpSpPr>
+        <p:cNvPr id="1" name=""/>
+        <p:cNvGrpSpPr/>
+        <p:nvPr/>
+      </p:nvGrpSpPr>
+      <p:grpSpPr>
+        <a:xfrm>
+          <a:off x="0" y="0"/>
+          <a:ext cx="0" cy="0"/>
+          <a:chOff x="0" y="0"/>
+          <a:chExt cx="0" cy="0"/>
+        </a:xfrm>
+      </p:grpSpPr>
+      <p:sp>
+        <p:nvSpPr>
+          <p:cNvPr id="2" name="Titre 1">
+            <a:extLst>
+              <a:ext uri="{FF2B5EF4-FFF2-40B4-BE49-F238E27FC236}">
+                <a16:creationId xmlns:a16="http://schemas.microsoft.com/office/drawing/2014/main" id="{DFA2C284-2D80-4AF7-8077-DA8771A56F80}"/>
+              </a:ext>
+            </a:extLst>
+          </p:cNvPr>
+          <p:cNvSpPr>
+            <a:spLocks noGrp="1"/>
+          </p:cNvSpPr>
+          <p:nvPr>
+            <p:ph type="title"/>
+          </p:nvPr>
+        </p:nvSpPr>
+        <p:spPr/>
+        <p:txBody>
+          <a:bodyPr>
+            <a:normAutofit/>
+          </a:bodyPr>
+          <a:lstStyle/>
+          <a:p>
+            <a:pPr algn="ctr"/>
+            <a:r>
+              <a:rPr lang="fr-FR" sz="2400" dirty="0"/>
+              <a:t>Introduction</a:t>
+            </a:r>
+            <a:endParaRPr lang="fr-FR"/>
+          </a:p>
+        </p:txBody>
+      </p:sp>
+      <p:sp>
+        <p:nvSpPr>
+          <p:cNvPr id="3" name="Espace réservé du contenu 2">
+            <a:extLst>
+              <a:ext uri="{FF2B5EF4-FFF2-40B4-BE49-F238E27FC236}">
+                <a16:creationId xmlns:a16="http://schemas.microsoft.com/office/drawing/2014/main" id="{D6C0FF28-91EA-4939-9F28-F6EE6E77F522}"/>
+              </a:ext>
+            </a:extLst>
+          </p:cNvPr>
+          <p:cNvSpPr>
+            <a:spLocks noGrp="1"/>
+          </p:cNvSpPr>
+          <p:nvPr>
+            <p:ph idx="1"/>
+          </p:nvPr>
+        </p:nvSpPr>
+        <p:spPr/>
+        <p:txBody>
+          <a:bodyPr/>
+          <a:lstStyle/>
+          <a:p>
+            <a:r>
+              <a:rPr lang="fr-FR" dirty="0"/>
+              <a:t>On va parler juste</a:t>
+            </a:r>
+          </a:p>
+          <a:p>
+            <a:r>
+              <a:rPr lang="fr-FR" dirty="0"/>
+              <a:t>ROC</a:t>
+            </a:r>
+          </a:p>
+        </p:txBody>
+      </p:sp>
+    </p:spTree>
+    <p:extLst>
+      <p:ext uri="{BB962C8B-B14F-4D97-AF65-F5344CB8AC3E}">
+        <p14:creationId xmlns:p14="http://schemas.microsoft.com/office/powerpoint/2010/main" val="3364632446"/>
+      </p:ext>
+    </p:extLst>
+  </p:cSld>
+  <p:clrMapOvr>
+    <a:masterClrMapping/>
+  </p:clrMapOvr>
+</p:sld>
+</file>
+
+<file path=ppt/slides/slide4.xml><?xml version="1.0" encoding="utf-8"?>
+<p:sld xmlns:a="http://schemas.openxmlformats.org/drawingml/2006/main" xmlns:r="http://schemas.openxmlformats.org/officeDocument/2006/relationships" xmlns:p="http://schemas.openxmlformats.org/presentationml/2006/main">
+  <p:cSld>
+    <p:spTree>
+      <p:nvGrpSpPr>
+        <p:cNvPr id="1" name=""/>
+        <p:cNvGrpSpPr/>
+        <p:nvPr/>
+      </p:nvGrpSpPr>
+      <p:grpSpPr>
+        <a:xfrm>
+          <a:off x="0" y="0"/>
+          <a:ext cx="0" cy="0"/>
+          <a:chOff x="0" y="0"/>
+          <a:chExt cx="0" cy="0"/>
+        </a:xfrm>
+      </p:grpSpPr>
+      <p:sp>
+        <p:nvSpPr>
+          <p:cNvPr id="2" name="Titre 1">
+            <a:extLst>
+              <a:ext uri="{FF2B5EF4-FFF2-40B4-BE49-F238E27FC236}">
+                <a16:creationId xmlns:a16="http://schemas.microsoft.com/office/drawing/2014/main" id="{9AD39E04-03F7-4262-89C2-7A1387D4747A}"/>
+              </a:ext>
+            </a:extLst>
+          </p:cNvPr>
+          <p:cNvSpPr>
+            <a:spLocks noGrp="1"/>
+          </p:cNvSpPr>
+          <p:nvPr>
+            <p:ph type="title"/>
+          </p:nvPr>
+        </p:nvSpPr>
+        <p:spPr/>
+        <p:txBody>
+          <a:bodyPr>
+            <a:normAutofit/>
+          </a:bodyPr>
+          <a:lstStyle/>
+          <a:p>
+            <a:pPr algn="ctr"/>
+            <a:r>
+              <a:rPr lang="fr-FR" sz="2400" dirty="0"/>
+              <a:t>Histoire</a:t>
+            </a:r>
+            <a:endParaRPr lang="fr-FR"/>
+          </a:p>
+        </p:txBody>
+      </p:sp>
+      <p:sp>
+        <p:nvSpPr>
+          <p:cNvPr id="3" name="Espace réservé du contenu 2">
+            <a:extLst>
+              <a:ext uri="{FF2B5EF4-FFF2-40B4-BE49-F238E27FC236}">
+                <a16:creationId xmlns:a16="http://schemas.microsoft.com/office/drawing/2014/main" id="{ECC5EC7C-413D-49F6-9EF8-13FFC918C613}"/>
+              </a:ext>
+            </a:extLst>
+          </p:cNvPr>
+          <p:cNvSpPr>
+            <a:spLocks noGrp="1"/>
+          </p:cNvSpPr>
+          <p:nvPr>
+            <p:ph idx="1"/>
+          </p:nvPr>
+        </p:nvSpPr>
+        <p:spPr/>
+        <p:txBody>
+          <a:bodyPr/>
+          <a:lstStyle/>
+          <a:p>
+            <a:r>
+              <a:rPr lang="fr-FR" dirty="0"/>
+              <a:t>L'histoire de ce pb</a:t>
+            </a:r>
+          </a:p>
+          <a:p>
+            <a:r>
+              <a:rPr lang="fr-FR" dirty="0"/>
+              <a:t>Histoire de cette </a:t>
+            </a:r>
+            <a:r>
+              <a:rPr lang="fr-FR" dirty="0" err="1"/>
+              <a:t>dataset</a:t>
+            </a:r>
+            <a:endParaRPr lang="fr-FR" dirty="0"/>
+          </a:p>
+          <a:p>
+            <a:r>
+              <a:rPr lang="fr-FR" dirty="0"/>
+              <a:t>Histoire entre white et black </a:t>
+            </a:r>
+            <a:r>
+              <a:rPr lang="fr-FR" dirty="0" err="1"/>
+              <a:t>peoble</a:t>
+            </a:r>
+          </a:p>
+          <a:p>
+            <a:pPr marL="0" indent="0">
+              <a:buNone/>
+            </a:pPr>
+            <a:endParaRPr lang="fr-FR" dirty="0"/>
+          </a:p>
+        </p:txBody>
+      </p:sp>
+    </p:spTree>
+    <p:extLst>
+      <p:ext uri="{BB962C8B-B14F-4D97-AF65-F5344CB8AC3E}">
+        <p14:creationId xmlns:p14="http://schemas.microsoft.com/office/powerpoint/2010/main" val="1876197975"/>
+      </p:ext>
+    </p:extLst>
+  </p:cSld>
+  <p:clrMapOvr>
+    <a:masterClrMapping/>
+  </p:clrMapOvr>
+</p:sld>
+</file>
+
+<file path=ppt/slides/slide5.xml><?xml version="1.0" encoding="utf-8"?>
+<p:sld xmlns:a="http://schemas.openxmlformats.org/drawingml/2006/main" xmlns:r="http://schemas.openxmlformats.org/officeDocument/2006/relationships" xmlns:p="http://schemas.openxmlformats.org/presentationml/2006/main">
+  <p:cSld>
+    <p:spTree>
+      <p:nvGrpSpPr>
+        <p:cNvPr id="1" name=""/>
+        <p:cNvGrpSpPr/>
+        <p:nvPr/>
+      </p:nvGrpSpPr>
+      <p:grpSpPr>
+        <a:xfrm>
+          <a:off x="0" y="0"/>
+          <a:ext cx="0" cy="0"/>
+          <a:chOff x="0" y="0"/>
+          <a:chExt cx="0" cy="0"/>
+        </a:xfrm>
+      </p:grpSpPr>
+      <p:sp>
+        <p:nvSpPr>
+          <p:cNvPr id="2" name="Titre 1">
+            <a:extLst>
+              <a:ext uri="{FF2B5EF4-FFF2-40B4-BE49-F238E27FC236}">
+                <a16:creationId xmlns:a16="http://schemas.microsoft.com/office/drawing/2014/main" id="{88D885C1-2C9A-4E39-80B1-57968A2FE1E4}"/>
+              </a:ext>
+            </a:extLst>
+          </p:cNvPr>
+          <p:cNvSpPr>
+            <a:spLocks noGrp="1"/>
+          </p:cNvSpPr>
+          <p:nvPr>
+            <p:ph type="title"/>
+          </p:nvPr>
+        </p:nvSpPr>
+        <p:spPr/>
+        <p:txBody>
+          <a:bodyPr/>
+          <a:lstStyle/>
+          <a:p>
+            <a:pPr algn="ctr"/>
+            <a:r>
+              <a:rPr lang="fr-FR" sz="2400" dirty="0"/>
+              <a:t>Data </a:t>
+            </a:r>
+            <a:r>
+              <a:rPr lang="fr-FR" sz="2400" dirty="0" err="1"/>
+              <a:t>analysis</a:t>
+            </a:r>
+            <a:endParaRPr lang="fr-FR"/>
+          </a:p>
+        </p:txBody>
+      </p:sp>
+    </p:spTree>
+    <p:extLst>
+      <p:ext uri="{BB962C8B-B14F-4D97-AF65-F5344CB8AC3E}">
+        <p14:creationId xmlns:p14="http://schemas.microsoft.com/office/powerpoint/2010/main" val="3125045112"/>
+      </p:ext>
+    </p:extLst>
+  </p:cSld>
+  <p:clrMapOvr>
+    <a:masterClrMapping/>
+  </p:clrMapOvr>
+</p:sld>
+</file>
+
+<file path=ppt/slides/slide6.xml><?xml version="1.0" encoding="utf-8"?>
+<p:sld xmlns:a="http://schemas.openxmlformats.org/drawingml/2006/main" xmlns:r="http://schemas.openxmlformats.org/officeDocument/2006/relationships" xmlns:p="http://schemas.openxmlformats.org/presentationml/2006/main">
+  <p:cSld>
+    <p:spTree>
+      <p:nvGrpSpPr>
+        <p:cNvPr id="1" name=""/>
+        <p:cNvGrpSpPr/>
+        <p:nvPr/>
+      </p:nvGrpSpPr>
+      <p:grpSpPr>
+        <a:xfrm>
+          <a:off x="0" y="0"/>
+          <a:ext cx="0" cy="0"/>
+          <a:chOff x="0" y="0"/>
+          <a:chExt cx="0" cy="0"/>
+        </a:xfrm>
+      </p:grpSpPr>
+      <p:sp>
+        <p:nvSpPr>
+          <p:cNvPr id="2" name="Titre 1">
+            <a:extLst>
+              <a:ext uri="{FF2B5EF4-FFF2-40B4-BE49-F238E27FC236}">
+                <a16:creationId xmlns:a16="http://schemas.microsoft.com/office/drawing/2014/main" id="{AABA4F46-2B82-44DB-8839-1CD64DB083DA}"/>
+              </a:ext>
+            </a:extLst>
+          </p:cNvPr>
+          <p:cNvSpPr>
+            <a:spLocks noGrp="1"/>
+          </p:cNvSpPr>
+          <p:nvPr>
+            <p:ph type="title"/>
+          </p:nvPr>
+        </p:nvSpPr>
+        <p:spPr/>
+        <p:txBody>
+          <a:bodyPr/>
+          <a:lstStyle/>
+          <a:p>
+            <a:pPr algn="ctr"/>
+            <a:r>
+              <a:rPr lang="fr-FR" sz="2400" dirty="0"/>
+              <a:t>Matrice de </a:t>
+            </a:r>
+            <a:r>
+              <a:rPr lang="fr-FR" sz="2400" dirty="0" err="1"/>
+              <a:t>correlation</a:t>
+            </a:r>
+            <a:endParaRPr lang="fr-FR"/>
+          </a:p>
+        </p:txBody>
+      </p:sp>
+      <p:sp>
+        <p:nvSpPr>
+          <p:cNvPr id="3" name="Espace réservé du contenu 2">
+            <a:extLst>
+              <a:ext uri="{FF2B5EF4-FFF2-40B4-BE49-F238E27FC236}">
+                <a16:creationId xmlns:a16="http://schemas.microsoft.com/office/drawing/2014/main" id="{933E7DEC-3B75-4236-8345-9BD7EBA05352}"/>
+              </a:ext>
+            </a:extLst>
+          </p:cNvPr>
+          <p:cNvSpPr>
+            <a:spLocks noGrp="1"/>
+          </p:cNvSpPr>
+          <p:nvPr>
+            <p:ph idx="1"/>
+          </p:nvPr>
+        </p:nvSpPr>
+        <p:spPr/>
+        <p:txBody>
+          <a:bodyPr/>
+          <a:lstStyle/>
+          <a:p>
+            <a:endParaRPr lang="fr-FR"/>
+          </a:p>
+        </p:txBody>
+      </p:sp>
+    </p:spTree>
+    <p:extLst>
+      <p:ext uri="{BB962C8B-B14F-4D97-AF65-F5344CB8AC3E}">
+        <p14:creationId xmlns:p14="http://schemas.microsoft.com/office/powerpoint/2010/main" val="1921979874"/>
+      </p:ext>
+    </p:extLst>
+  </p:cSld>
+  <p:clrMapOvr>
+    <a:masterClrMapping/>
+  </p:clrMapOvr>
+</p:sld>
+</file>
+
+<file path=ppt/slides/slide7.xml><?xml version="1.0" encoding="utf-8"?>
+<p:sld xmlns:a="http://schemas.openxmlformats.org/drawingml/2006/main" xmlns:r="http://schemas.openxmlformats.org/officeDocument/2006/relationships" xmlns:p="http://schemas.openxmlformats.org/presentationml/2006/main">
+  <p:cSld>
+    <p:spTree>
+      <p:nvGrpSpPr>
+        <p:cNvPr id="1" name=""/>
+        <p:cNvGrpSpPr/>
+        <p:nvPr/>
+      </p:nvGrpSpPr>
+      <p:grpSpPr>
+        <a:xfrm>
+          <a:off x="0" y="0"/>
+          <a:ext cx="0" cy="0"/>
+          <a:chOff x="0" y="0"/>
+          <a:chExt cx="0" cy="0"/>
+        </a:xfrm>
+      </p:grpSpPr>
+      <p:sp>
+        <p:nvSpPr>
+          <p:cNvPr id="2" name="Titre 1">
+            <a:extLst>
+              <a:ext uri="{FF2B5EF4-FFF2-40B4-BE49-F238E27FC236}">
+                <a16:creationId xmlns:a16="http://schemas.microsoft.com/office/drawing/2014/main" id="{36EA121C-A05F-4FD5-94DF-BA60F352D503}"/>
+              </a:ext>
+            </a:extLst>
+          </p:cNvPr>
+          <p:cNvSpPr>
+            <a:spLocks noGrp="1"/>
+          </p:cNvSpPr>
+          <p:nvPr>
+            <p:ph type="title"/>
+          </p:nvPr>
+        </p:nvSpPr>
+        <p:spPr/>
+        <p:txBody>
+          <a:bodyPr>
+            <a:normAutofit/>
+          </a:bodyPr>
+          <a:lstStyle/>
+          <a:p>
+            <a:pPr algn="ctr"/>
+            <a:r>
+              <a:rPr lang="fr-FR" sz="2400" dirty="0">
+                <a:ea typeface="+mj-lt"/>
+                <a:cs typeface="+mj-lt"/>
+              </a:rPr>
+              <a:t>Dirty Data</a:t>
+            </a:r>
+            <a:endParaRPr lang="fr-FR"/>
+          </a:p>
+        </p:txBody>
+      </p:sp>
+      <p:sp>
+        <p:nvSpPr>
+          <p:cNvPr id="3" name="Espace réservé du contenu 2">
+            <a:extLst>
+              <a:ext uri="{FF2B5EF4-FFF2-40B4-BE49-F238E27FC236}">
+                <a16:creationId xmlns:a16="http://schemas.microsoft.com/office/drawing/2014/main" id="{80C45924-0B9A-4845-9704-5711CD27EFB1}"/>
+              </a:ext>
+            </a:extLst>
+          </p:cNvPr>
+          <p:cNvSpPr>
+            <a:spLocks noGrp="1"/>
+          </p:cNvSpPr>
+          <p:nvPr>
+            <p:ph idx="1"/>
+          </p:nvPr>
+        </p:nvSpPr>
+        <p:spPr/>
+        <p:txBody>
+          <a:bodyPr/>
+          <a:lstStyle/>
+          <a:p>
+            <a:r>
+              <a:rPr lang="fr-FR" dirty="0">
+                <a:ea typeface="+mn-lt"/>
+                <a:cs typeface="+mn-lt"/>
+              </a:rPr>
+              <a:t>Data </a:t>
+            </a:r>
+            <a:r>
+              <a:rPr lang="fr-FR" dirty="0" err="1">
+                <a:ea typeface="+mn-lt"/>
+                <a:cs typeface="+mn-lt"/>
+              </a:rPr>
+              <a:t>Errors</a:t>
+            </a:r>
+            <a:r>
+              <a:rPr lang="fr-FR" dirty="0">
+                <a:ea typeface="+mn-lt"/>
+                <a:cs typeface="+mn-lt"/>
+              </a:rPr>
+              <a:t> (</a:t>
+            </a:r>
+            <a:r>
+              <a:rPr lang="fr-FR" dirty="0" err="1">
+                <a:ea typeface="+mn-lt"/>
+                <a:cs typeface="+mn-lt"/>
+              </a:rPr>
+              <a:t>duplicated</a:t>
+            </a:r>
+            <a:r>
+              <a:rPr lang="fr-FR" dirty="0">
+                <a:ea typeface="+mn-lt"/>
+                <a:cs typeface="+mn-lt"/>
+              </a:rPr>
+              <a:t> data </a:t>
+            </a:r>
+            <a:r>
+              <a:rPr lang="fr-FR" dirty="0" err="1">
+                <a:ea typeface="+mn-lt"/>
+                <a:cs typeface="+mn-lt"/>
+              </a:rPr>
+              <a:t>with</a:t>
+            </a:r>
+            <a:r>
+              <a:rPr lang="fr-FR" dirty="0">
+                <a:ea typeface="+mn-lt"/>
+                <a:cs typeface="+mn-lt"/>
+              </a:rPr>
+              <a:t> 13%) si il me reste le temps je vais faire data </a:t>
+            </a:r>
+            <a:r>
+              <a:rPr lang="fr-FR" dirty="0" err="1">
+                <a:ea typeface="+mn-lt"/>
+                <a:cs typeface="+mn-lt"/>
+              </a:rPr>
+              <a:t>outliers</a:t>
+            </a:r>
+          </a:p>
+          <a:p>
+            <a:r>
+              <a:rPr lang="fr-FR" err="1">
+                <a:ea typeface="+mn-lt"/>
+                <a:cs typeface="+mn-lt"/>
+              </a:rPr>
+              <a:t>Missing</a:t>
+            </a:r>
+            <a:r>
+              <a:rPr lang="fr-FR">
+                <a:ea typeface="+mn-lt"/>
+                <a:cs typeface="+mn-lt"/>
+              </a:rPr>
+              <a:t> values (0.05% pour workclass attribute, 0.05% pour Occupation att, 0.017% pour native-country)</a:t>
+            </a:r>
+            <a:endParaRPr lang="fr-FR" dirty="0">
+              <a:ea typeface="+mn-lt"/>
+              <a:cs typeface="+mn-lt"/>
+            </a:endParaRPr>
+          </a:p>
+          <a:p>
+            <a:r>
+              <a:rPr lang="fr-FR" dirty="0">
+                <a:ea typeface="+mn-lt"/>
+                <a:cs typeface="+mn-lt"/>
+              </a:rPr>
+              <a:t>Data Split </a:t>
+            </a:r>
+            <a:r>
+              <a:rPr lang="fr-FR">
+                <a:ea typeface="+mn-lt"/>
+                <a:cs typeface="+mn-lt"/>
+              </a:rPr>
+              <a:t>Errors (66% pour train, 34% pour test ???) est-ce que bon?</a:t>
+            </a:r>
+            <a:endParaRPr lang="fr-FR" dirty="0">
+              <a:ea typeface="+mn-lt"/>
+              <a:cs typeface="+mn-lt"/>
+            </a:endParaRPr>
+          </a:p>
+          <a:p>
+            <a:r>
+              <a:rPr lang="fr-FR">
+                <a:ea typeface="+mn-lt"/>
+                <a:cs typeface="+mn-lt"/>
+              </a:rPr>
+              <a:t>Label Errors</a:t>
+            </a:r>
+            <a:endParaRPr lang="fr-FR" dirty="0"/>
+          </a:p>
+        </p:txBody>
+      </p:sp>
+    </p:spTree>
+    <p:extLst>
+      <p:ext uri="{BB962C8B-B14F-4D97-AF65-F5344CB8AC3E}">
+        <p14:creationId xmlns:p14="http://schemas.microsoft.com/office/powerpoint/2010/main" val="3308791768"/>
       </p:ext>
     </p:extLst>
   </p:cSld>
@@ -6467,7 +6819,7 @@
       </p:grpSpPr>
       <p:sp useBgFill="1">
         <p:nvSpPr>
-          <p:cNvPr id="22" name="Rectangle 21">
+          <p:cNvPr id="15" name="Rectangle 14">
             <a:extLst>
               <a:ext uri="{FF2B5EF4-FFF2-40B4-BE49-F238E27FC236}">
                 <a16:creationId xmlns:a16="http://schemas.microsoft.com/office/drawing/2014/main" id="{62C9703D-C8F9-44AD-A7C0-C2F3871F8C1B}"/>
@@ -6527,10 +6879,10 @@
       </p:sp>
       <p:pic>
         <p:nvPicPr>
-          <p:cNvPr id="2" name="Image 2">
+          <p:cNvPr id="3" name="Image 3">
             <a:extLst>
               <a:ext uri="{FF2B5EF4-FFF2-40B4-BE49-F238E27FC236}">
-                <a16:creationId xmlns:a16="http://schemas.microsoft.com/office/drawing/2014/main" id="{433F398D-695A-435A-A9C8-40F243782248}"/>
+                <a16:creationId xmlns:a16="http://schemas.microsoft.com/office/drawing/2014/main" id="{4FF691B8-BD8F-4A25-B7BE-BEE5BB8AEF00}"/>
               </a:ext>
             </a:extLst>
           </p:cNvPr>
@@ -6547,8 +6899,8 @@
         </p:blipFill>
         <p:spPr>
           <a:xfrm>
-            <a:off x="2847177" y="643467"/>
-            <a:ext cx="6497646" cy="4873234"/>
+            <a:off x="2445637" y="643467"/>
+            <a:ext cx="7300725" cy="4873234"/>
           </a:xfrm>
           <a:prstGeom prst="rect">
             <a:avLst/>
@@ -6558,7 +6910,7 @@
     </p:spTree>
     <p:extLst>
       <p:ext uri="{BB962C8B-B14F-4D97-AF65-F5344CB8AC3E}">
-        <p14:creationId xmlns:p14="http://schemas.microsoft.com/office/powerpoint/2010/main" val="978069724"/>
+        <p14:creationId xmlns:p14="http://schemas.microsoft.com/office/powerpoint/2010/main" val="1548592480"/>
       </p:ext>
     </p:extLst>
   </p:cSld>
@@ -6611,7 +6963,7 @@
       </p:grpSpPr>
       <p:sp useBgFill="1">
         <p:nvSpPr>
-          <p:cNvPr id="7" name="Rectangle 6">
+          <p:cNvPr id="15" name="Rectangle 14">
             <a:extLst>
               <a:ext uri="{FF2B5EF4-FFF2-40B4-BE49-F238E27FC236}">
                 <a16:creationId xmlns:a16="http://schemas.microsoft.com/office/drawing/2014/main" id="{62C9703D-C8F9-44AD-A7C0-C2F3871F8C1B}"/>
@@ -6671,10 +7023,10 @@
       </p:sp>
       <p:pic>
         <p:nvPicPr>
-          <p:cNvPr id="2" name="Image 2">
+          <p:cNvPr id="3" name="Image 3">
             <a:extLst>
               <a:ext uri="{FF2B5EF4-FFF2-40B4-BE49-F238E27FC236}">
-                <a16:creationId xmlns:a16="http://schemas.microsoft.com/office/drawing/2014/main" id="{6E26A7DA-CD8C-4D0B-9AF9-FCFDCBDEE751}"/>
+                <a16:creationId xmlns:a16="http://schemas.microsoft.com/office/drawing/2014/main" id="{AB404009-4E15-487C-A5C6-6B3AC91C1524}"/>
               </a:ext>
             </a:extLst>
           </p:cNvPr>
@@ -6684,15 +7036,15 @@
           <p:nvPr/>
         </p:nvPicPr>
         <p:blipFill>
-          <a:blip r:embed="rId2"/>
+          <a:blip r:embed="rId3"/>
           <a:stretch>
             <a:fillRect/>
           </a:stretch>
         </p:blipFill>
         <p:spPr>
           <a:xfrm>
-            <a:off x="2847177" y="643467"/>
-            <a:ext cx="6497646" cy="4873234"/>
+            <a:off x="2034972" y="643467"/>
+            <a:ext cx="8122056" cy="4873234"/>
           </a:xfrm>
           <a:prstGeom prst="rect">
             <a:avLst/>
@@ -6702,7 +7054,7 @@
     </p:spTree>
     <p:extLst>
       <p:ext uri="{BB962C8B-B14F-4D97-AF65-F5344CB8AC3E}">
-        <p14:creationId xmlns:p14="http://schemas.microsoft.com/office/powerpoint/2010/main" val="4196519834"/>
+        <p14:creationId xmlns:p14="http://schemas.microsoft.com/office/powerpoint/2010/main" val="1514043972"/>
       </p:ext>
     </p:extLst>
   </p:cSld>
